--- a/ppt/Python_4_함수.pptx
+++ b/ppt/Python_4_함수.pptx
@@ -4,6 +4,9 @@
   <p:sldMasterIdLst>
     <p:sldMasterId id="2147483648" r:id="rId1"/>
   </p:sldMasterIdLst>
+  <p:handoutMasterIdLst>
+    <p:handoutMasterId r:id="rId29"/>
+  </p:handoutMasterIdLst>
   <p:sldIdLst>
     <p:sldId id="256" r:id="rId2"/>
     <p:sldId id="257" r:id="rId3"/>
@@ -34,7 +37,7 @@
     <p:sldId id="278" r:id="rId28"/>
   </p:sldIdLst>
   <p:sldSz cx="12192000" cy="6858000"/>
-  <p:notesSz cx="6858000" cy="9144000"/>
+  <p:notesSz cx="6797675" cy="9926638"/>
   <p:defaultTextStyle>
     <a:defPPr>
       <a:defRPr lang="ko-KR"/>
@@ -138,6 +141,171 @@
 </p:presentation>
 </file>
 
+<file path=ppt/handoutMasters/handoutMaster1.xml><?xml version="1.0" encoding="utf-8"?>
+<p:handoutMaster xmlns:a="http://schemas.openxmlformats.org/drawingml/2006/main" xmlns:r="http://schemas.openxmlformats.org/officeDocument/2006/relationships" xmlns:p="http://schemas.openxmlformats.org/presentationml/2006/main">
+  <p:cSld>
+    <p:bg>
+      <p:bgRef idx="1001">
+        <a:schemeClr val="bg1"/>
+      </p:bgRef>
+    </p:bg>
+    <p:spTree>
+      <p:nvGrpSpPr>
+        <p:cNvPr id="1" name=""/>
+        <p:cNvGrpSpPr/>
+        <p:nvPr/>
+      </p:nvGrpSpPr>
+      <p:grpSpPr>
+        <a:xfrm>
+          <a:off x="0" y="0"/>
+          <a:ext cx="0" cy="0"/>
+          <a:chOff x="0" y="0"/>
+          <a:chExt cx="0" cy="0"/>
+        </a:xfrm>
+      </p:grpSpPr>
+      <p:sp>
+        <p:nvSpPr>
+          <p:cNvPr id="2" name="머리글 개체 틀 1"/>
+          <p:cNvSpPr>
+            <a:spLocks noGrp="1"/>
+          </p:cNvSpPr>
+          <p:nvPr>
+            <p:ph type="hdr" sz="quarter"/>
+          </p:nvPr>
+        </p:nvSpPr>
+        <p:spPr>
+          <a:xfrm>
+            <a:off x="0" y="0"/>
+            <a:ext cx="2945659" cy="498056"/>
+          </a:xfrm>
+          <a:prstGeom prst="rect">
+            <a:avLst/>
+          </a:prstGeom>
+        </p:spPr>
+        <p:txBody>
+          <a:bodyPr vert="horz" lIns="91440" tIns="45720" rIns="91440" bIns="45720" rtlCol="0"/>
+          <a:lstStyle>
+            <a:lvl1pPr algn="l">
+              <a:defRPr sz="1200"/>
+            </a:lvl1pPr>
+          </a:lstStyle>
+          <a:p>
+            <a:endParaRPr lang="ko-KR" altLang="en-US"/>
+          </a:p>
+        </p:txBody>
+      </p:sp>
+      <p:sp>
+        <p:nvSpPr>
+          <p:cNvPr id="3" name="날짜 개체 틀 2"/>
+          <p:cNvSpPr>
+            <a:spLocks noGrp="1"/>
+          </p:cNvSpPr>
+          <p:nvPr>
+            <p:ph type="dt" sz="quarter" idx="1"/>
+          </p:nvPr>
+        </p:nvSpPr>
+        <p:spPr>
+          <a:xfrm>
+            <a:off x="3850443" y="0"/>
+            <a:ext cx="2945659" cy="498056"/>
+          </a:xfrm>
+          <a:prstGeom prst="rect">
+            <a:avLst/>
+          </a:prstGeom>
+        </p:spPr>
+        <p:txBody>
+          <a:bodyPr vert="horz" lIns="91440" tIns="45720" rIns="91440" bIns="45720" rtlCol="0"/>
+          <a:lstStyle>
+            <a:lvl1pPr algn="r">
+              <a:defRPr sz="1200"/>
+            </a:lvl1pPr>
+          </a:lstStyle>
+          <a:p>
+            <a:fld id="{0C61F2AF-7749-4A57-83FD-5065735D0294}" type="datetimeFigureOut">
+              <a:rPr lang="ko-KR" altLang="en-US" smtClean="0"/>
+              <a:t>2017-04-03</a:t>
+            </a:fld>
+            <a:endParaRPr lang="ko-KR" altLang="en-US"/>
+          </a:p>
+        </p:txBody>
+      </p:sp>
+      <p:sp>
+        <p:nvSpPr>
+          <p:cNvPr id="4" name="바닥글 개체 틀 3"/>
+          <p:cNvSpPr>
+            <a:spLocks noGrp="1"/>
+          </p:cNvSpPr>
+          <p:nvPr>
+            <p:ph type="ftr" sz="quarter" idx="2"/>
+          </p:nvPr>
+        </p:nvSpPr>
+        <p:spPr>
+          <a:xfrm>
+            <a:off x="0" y="9428584"/>
+            <a:ext cx="2945659" cy="498055"/>
+          </a:xfrm>
+          <a:prstGeom prst="rect">
+            <a:avLst/>
+          </a:prstGeom>
+        </p:spPr>
+        <p:txBody>
+          <a:bodyPr vert="horz" lIns="91440" tIns="45720" rIns="91440" bIns="45720" rtlCol="0" anchor="b"/>
+          <a:lstStyle>
+            <a:lvl1pPr algn="l">
+              <a:defRPr sz="1200"/>
+            </a:lvl1pPr>
+          </a:lstStyle>
+          <a:p>
+            <a:endParaRPr lang="ko-KR" altLang="en-US"/>
+          </a:p>
+        </p:txBody>
+      </p:sp>
+      <p:sp>
+        <p:nvSpPr>
+          <p:cNvPr id="5" name="슬라이드 번호 개체 틀 4"/>
+          <p:cNvSpPr>
+            <a:spLocks noGrp="1"/>
+          </p:cNvSpPr>
+          <p:nvPr>
+            <p:ph type="sldNum" sz="quarter" idx="3"/>
+          </p:nvPr>
+        </p:nvSpPr>
+        <p:spPr>
+          <a:xfrm>
+            <a:off x="3850443" y="9428584"/>
+            <a:ext cx="2945659" cy="498055"/>
+          </a:xfrm>
+          <a:prstGeom prst="rect">
+            <a:avLst/>
+          </a:prstGeom>
+        </p:spPr>
+        <p:txBody>
+          <a:bodyPr vert="horz" lIns="91440" tIns="45720" rIns="91440" bIns="45720" rtlCol="0" anchor="b"/>
+          <a:lstStyle>
+            <a:lvl1pPr algn="r">
+              <a:defRPr sz="1200"/>
+            </a:lvl1pPr>
+          </a:lstStyle>
+          <a:p>
+            <a:fld id="{3E681D89-D1DE-41B2-9FFA-E60B0BF1DDD9}" type="slidenum">
+              <a:rPr lang="ko-KR" altLang="en-US" smtClean="0"/>
+              <a:t>‹#›</a:t>
+            </a:fld>
+            <a:endParaRPr lang="ko-KR" altLang="en-US"/>
+          </a:p>
+        </p:txBody>
+      </p:sp>
+    </p:spTree>
+    <p:extLst>
+      <p:ext uri="{BB962C8B-B14F-4D97-AF65-F5344CB8AC3E}">
+        <p14:creationId xmlns:p14="http://schemas.microsoft.com/office/powerpoint/2010/main" val="20991539"/>
+      </p:ext>
+    </p:extLst>
+  </p:cSld>
+  <p:clrMap bg1="lt1" tx1="dk1" bg2="lt2" tx2="dk2" accent1="accent1" accent2="accent2" accent3="accent3" accent4="accent4" accent5="accent5" accent6="accent6" hlink="hlink" folHlink="folHlink"/>
+</p:handoutMaster>
+</file>
+
 <file path=ppt/slideLayouts/slideLayout1.xml><?xml version="1.0" encoding="utf-8"?>
 <p:sldLayout xmlns:a="http://schemas.openxmlformats.org/drawingml/2006/main" xmlns:r="http://schemas.openxmlformats.org/officeDocument/2006/relationships" xmlns:p="http://schemas.openxmlformats.org/presentationml/2006/main" type="title" preserve="1">
   <p:cSld name="제목 슬라이드">
@@ -269,7 +437,7 @@
           <a:p>
             <a:fld id="{91D843F1-2AAD-4B1B-985F-9B358CDA7641}" type="datetimeFigureOut">
               <a:rPr lang="ko-KR" altLang="en-US" smtClean="0"/>
-              <a:t>2017-03-10</a:t>
+              <a:t>2017-04-03</a:t>
             </a:fld>
             <a:endParaRPr lang="ko-KR" altLang="en-US"/>
           </a:p>
@@ -439,7 +607,7 @@
           <a:p>
             <a:fld id="{91D843F1-2AAD-4B1B-985F-9B358CDA7641}" type="datetimeFigureOut">
               <a:rPr lang="ko-KR" altLang="en-US" smtClean="0"/>
-              <a:t>2017-03-10</a:t>
+              <a:t>2017-04-03</a:t>
             </a:fld>
             <a:endParaRPr lang="ko-KR" altLang="en-US"/>
           </a:p>
@@ -619,7 +787,7 @@
           <a:p>
             <a:fld id="{91D843F1-2AAD-4B1B-985F-9B358CDA7641}" type="datetimeFigureOut">
               <a:rPr lang="ko-KR" altLang="en-US" smtClean="0"/>
-              <a:t>2017-03-10</a:t>
+              <a:t>2017-04-03</a:t>
             </a:fld>
             <a:endParaRPr lang="ko-KR" altLang="en-US"/>
           </a:p>
@@ -789,7 +957,7 @@
           <a:p>
             <a:fld id="{91D843F1-2AAD-4B1B-985F-9B358CDA7641}" type="datetimeFigureOut">
               <a:rPr lang="ko-KR" altLang="en-US" smtClean="0"/>
-              <a:t>2017-03-10</a:t>
+              <a:t>2017-04-03</a:t>
             </a:fld>
             <a:endParaRPr lang="ko-KR" altLang="en-US"/>
           </a:p>
@@ -1035,7 +1203,7 @@
           <a:p>
             <a:fld id="{91D843F1-2AAD-4B1B-985F-9B358CDA7641}" type="datetimeFigureOut">
               <a:rPr lang="ko-KR" altLang="en-US" smtClean="0"/>
-              <a:t>2017-03-10</a:t>
+              <a:t>2017-04-03</a:t>
             </a:fld>
             <a:endParaRPr lang="ko-KR" altLang="en-US"/>
           </a:p>
@@ -1267,7 +1435,7 @@
           <a:p>
             <a:fld id="{91D843F1-2AAD-4B1B-985F-9B358CDA7641}" type="datetimeFigureOut">
               <a:rPr lang="ko-KR" altLang="en-US" smtClean="0"/>
-              <a:t>2017-03-10</a:t>
+              <a:t>2017-04-03</a:t>
             </a:fld>
             <a:endParaRPr lang="ko-KR" altLang="en-US"/>
           </a:p>
@@ -1634,7 +1802,7 @@
           <a:p>
             <a:fld id="{91D843F1-2AAD-4B1B-985F-9B358CDA7641}" type="datetimeFigureOut">
               <a:rPr lang="ko-KR" altLang="en-US" smtClean="0"/>
-              <a:t>2017-03-10</a:t>
+              <a:t>2017-04-03</a:t>
             </a:fld>
             <a:endParaRPr lang="ko-KR" altLang="en-US"/>
           </a:p>
@@ -1752,7 +1920,7 @@
           <a:p>
             <a:fld id="{91D843F1-2AAD-4B1B-985F-9B358CDA7641}" type="datetimeFigureOut">
               <a:rPr lang="ko-KR" altLang="en-US" smtClean="0"/>
-              <a:t>2017-03-10</a:t>
+              <a:t>2017-04-03</a:t>
             </a:fld>
             <a:endParaRPr lang="ko-KR" altLang="en-US"/>
           </a:p>
@@ -1847,7 +2015,7 @@
           <a:p>
             <a:fld id="{91D843F1-2AAD-4B1B-985F-9B358CDA7641}" type="datetimeFigureOut">
               <a:rPr lang="ko-KR" altLang="en-US" smtClean="0"/>
-              <a:t>2017-03-10</a:t>
+              <a:t>2017-04-03</a:t>
             </a:fld>
             <a:endParaRPr lang="ko-KR" altLang="en-US"/>
           </a:p>
@@ -2124,7 +2292,7 @@
           <a:p>
             <a:fld id="{91D843F1-2AAD-4B1B-985F-9B358CDA7641}" type="datetimeFigureOut">
               <a:rPr lang="ko-KR" altLang="en-US" smtClean="0"/>
-              <a:t>2017-03-10</a:t>
+              <a:t>2017-04-03</a:t>
             </a:fld>
             <a:endParaRPr lang="ko-KR" altLang="en-US"/>
           </a:p>
@@ -2377,7 +2545,7 @@
           <a:p>
             <a:fld id="{91D843F1-2AAD-4B1B-985F-9B358CDA7641}" type="datetimeFigureOut">
               <a:rPr lang="ko-KR" altLang="en-US" smtClean="0"/>
-              <a:t>2017-03-10</a:t>
+              <a:t>2017-04-03</a:t>
             </a:fld>
             <a:endParaRPr lang="ko-KR" altLang="en-US"/>
           </a:p>
@@ -2590,7 +2758,7 @@
           <a:p>
             <a:fld id="{91D843F1-2AAD-4B1B-985F-9B358CDA7641}" type="datetimeFigureOut">
               <a:rPr lang="ko-KR" altLang="en-US" smtClean="0"/>
-              <a:t>2017-03-10</a:t>
+              <a:t>2017-04-03</a:t>
             </a:fld>
             <a:endParaRPr lang="ko-KR" altLang="en-US"/>
           </a:p>
@@ -4453,42 +4621,18 @@
               <a:rPr lang="en-US" altLang="ko-KR" spc="-150" dirty="0" smtClean="0">
                 <a:latin typeface="Consolas" panose="020B0609020204030204" pitchFamily="49" charset="0"/>
               </a:rPr>
-              <a:t>	y = 20 </a:t>
-            </a:r>
-            <a:r>
-              <a:rPr lang="en-US" altLang="ko-KR" spc="-150" dirty="0" smtClean="0">
-                <a:latin typeface="Consolas" panose="020B0609020204030204" pitchFamily="49" charset="0"/>
-              </a:rPr>
-              <a:t>- </a:t>
-            </a:r>
-            <a:r>
-              <a:rPr lang="en-US" altLang="ko-KR" spc="-150" dirty="0" smtClean="0">
-                <a:latin typeface="Consolas" panose="020B0609020204030204" pitchFamily="49" charset="0"/>
-              </a:rPr>
-              <a:t>x</a:t>
-            </a:r>
-            <a:br>
-              <a:rPr lang="en-US" altLang="ko-KR" spc="-150" dirty="0" smtClean="0">
-                <a:latin typeface="Consolas" panose="020B0609020204030204" pitchFamily="49" charset="0"/>
-              </a:rPr>
-            </a:br>
-            <a:r>
-              <a:rPr lang="en-US" altLang="ko-KR" spc="-150" dirty="0" smtClean="0">
-                <a:latin typeface="Consolas" panose="020B0609020204030204" pitchFamily="49" charset="0"/>
-              </a:rPr>
-              <a:t>	if 4*x + 2*y == </a:t>
-            </a:r>
-            <a:r>
-              <a:rPr lang="en-US" altLang="ko-KR" spc="-150" dirty="0" smtClean="0">
-                <a:latin typeface="Consolas" panose="020B0609020204030204" pitchFamily="49" charset="0"/>
-              </a:rPr>
-              <a:t>56:</a:t>
-            </a:r>
-            <a:r>
-              <a:rPr lang="en-US" altLang="ko-KR" spc="-150" dirty="0" smtClean="0">
-                <a:latin typeface="Consolas" panose="020B0609020204030204" pitchFamily="49" charset="0"/>
-              </a:rPr>
-              <a:t/>
+              <a:t>	y = 20 - x</a:t>
+            </a:r>
+            <a:br>
+              <a:rPr lang="en-US" altLang="ko-KR" spc="-150" dirty="0" smtClean="0">
+                <a:latin typeface="Consolas" panose="020B0609020204030204" pitchFamily="49" charset="0"/>
+              </a:rPr>
+            </a:br>
+            <a:r>
+              <a:rPr lang="en-US" altLang="ko-KR" spc="-150" dirty="0" smtClean="0">
+                <a:latin typeface="Consolas" panose="020B0609020204030204" pitchFamily="49" charset="0"/>
+              </a:rPr>
+              <a:t>	if 4*x + 2*y == 56:</a:t>
             </a:r>
             <a:br>
               <a:rPr lang="en-US" altLang="ko-KR" spc="-150" dirty="0" smtClean="0">
@@ -5493,13 +5637,7 @@
               <a:rPr lang="en-US" altLang="ko-KR" spc="-150" dirty="0" smtClean="0">
                 <a:latin typeface="Consolas" panose="020B0609020204030204" pitchFamily="49" charset="0"/>
               </a:rPr>
-              <a:t>   legs </a:t>
-            </a:r>
-            <a:r>
-              <a:rPr lang="en-US" altLang="ko-KR" spc="-150" dirty="0" smtClean="0">
-                <a:latin typeface="Consolas" panose="020B0609020204030204" pitchFamily="49" charset="0"/>
-              </a:rPr>
-              <a:t>= </a:t>
+              <a:t>   legs = </a:t>
             </a:r>
             <a:r>
               <a:rPr lang="en-US" altLang="ko-KR" spc="-150" dirty="0" err="1" smtClean="0">
@@ -5520,39 +5658,33 @@
               <a:t>raw_input</a:t>
             </a:r>
             <a:r>
-              <a:rPr lang="en-US" altLang="ko-KR" spc="-150" dirty="0" smtClean="0">
-                <a:latin typeface="Consolas" panose="020B0609020204030204" pitchFamily="49" charset="0"/>
-              </a:rPr>
-              <a:t>('</a:t>
-            </a:r>
-            <a:r>
-              <a:rPr lang="en-US" altLang="ko-KR" spc="-150" dirty="0" err="1" smtClean="0">
-                <a:latin typeface="Consolas" panose="020B0609020204030204" pitchFamily="49" charset="0"/>
-              </a:rPr>
-              <a:t>Enther</a:t>
-            </a:r>
-            <a:r>
-              <a:rPr lang="en-US" altLang="ko-KR" spc="-150" dirty="0" smtClean="0">
-                <a:latin typeface="Consolas" panose="020B0609020204030204" pitchFamily="49" charset="0"/>
-              </a:rPr>
-              <a:t> the number of legs : '))</a:t>
-            </a:r>
-            <a:br>
-              <a:rPr lang="en-US" altLang="ko-KR" spc="-150" dirty="0" smtClean="0">
-                <a:latin typeface="Consolas" panose="020B0609020204030204" pitchFamily="49" charset="0"/>
-              </a:rPr>
-            </a:br>
-            <a:r>
-              <a:rPr lang="en-US" altLang="ko-KR" spc="-150" dirty="0" smtClean="0">
-                <a:latin typeface="Consolas" panose="020B0609020204030204" pitchFamily="49" charset="0"/>
-              </a:rPr>
-              <a:t>   [</a:t>
-            </a:r>
-            <a:r>
-              <a:rPr lang="en-US" altLang="ko-KR" spc="-150" dirty="0" smtClean="0">
-                <a:latin typeface="Consolas" panose="020B0609020204030204" pitchFamily="49" charset="0"/>
-              </a:rPr>
-              <a:t>pigs, chickens] = farm(heads, legs)</a:t>
+              <a:rPr lang="en-US" altLang="ko-KR" spc="-150" smtClean="0">
+                <a:latin typeface="Consolas" panose="020B0609020204030204" pitchFamily="49" charset="0"/>
+              </a:rPr>
+              <a:t>(</a:t>
+            </a:r>
+            <a:r>
+              <a:rPr lang="en-US" altLang="ko-KR" spc="-150" smtClean="0">
+                <a:latin typeface="Consolas" panose="020B0609020204030204" pitchFamily="49" charset="0"/>
+              </a:rPr>
+              <a:t>'Enter </a:t>
+            </a:r>
+            <a:r>
+              <a:rPr lang="en-US" altLang="ko-KR" spc="-150" dirty="0" smtClean="0">
+                <a:latin typeface="Consolas" panose="020B0609020204030204" pitchFamily="49" charset="0"/>
+              </a:rPr>
+              <a:t>the number of legs : '))</a:t>
+            </a:r>
+            <a:br>
+              <a:rPr lang="en-US" altLang="ko-KR" spc="-150" dirty="0" smtClean="0">
+                <a:latin typeface="Consolas" panose="020B0609020204030204" pitchFamily="49" charset="0"/>
+              </a:rPr>
+            </a:br>
+            <a:r>
+              <a:rPr lang="en-US" altLang="ko-KR" spc="-150" dirty="0" smtClean="0">
+                <a:latin typeface="Consolas" panose="020B0609020204030204" pitchFamily="49" charset="0"/>
+              </a:rPr>
+              <a:t>   [pigs, chickens] = farm(heads, legs)</a:t>
             </a:r>
             <a:br>
               <a:rPr lang="en-US" altLang="ko-KR" spc="-150" dirty="0" smtClean="0">
@@ -5569,19 +5701,7 @@
               <a:rPr lang="en-US" altLang="ko-KR" spc="-150" dirty="0" smtClean="0">
                 <a:latin typeface="Consolas" panose="020B0609020204030204" pitchFamily="49" charset="0"/>
               </a:rPr>
-              <a:t>  </a:t>
-            </a:r>
-            <a:r>
-              <a:rPr lang="en-US" altLang="ko-KR" spc="-150" dirty="0" smtClean="0">
-                <a:latin typeface="Consolas" panose="020B0609020204030204" pitchFamily="49" charset="0"/>
-              </a:rPr>
-              <a:t>if </a:t>
-            </a:r>
-            <a:r>
-              <a:rPr lang="en-US" altLang="ko-KR" spc="-150" dirty="0" smtClean="0">
-                <a:latin typeface="Consolas" panose="020B0609020204030204" pitchFamily="49" charset="0"/>
-              </a:rPr>
-              <a:t>pigs == None:</a:t>
+              <a:t>  if pigs == None:</a:t>
             </a:r>
             <a:br>
               <a:rPr lang="en-US" altLang="ko-KR" spc="-150" dirty="0" smtClean="0">
@@ -5609,19 +5729,7 @@
               <a:rPr lang="en-US" altLang="ko-KR" spc="-150" dirty="0" smtClean="0">
                 <a:latin typeface="Consolas" panose="020B0609020204030204" pitchFamily="49" charset="0"/>
               </a:rPr>
-              <a:t>  </a:t>
-            </a:r>
-            <a:r>
-              <a:rPr lang="en-US" altLang="ko-KR" spc="-150" dirty="0" smtClean="0">
-                <a:latin typeface="Consolas" panose="020B0609020204030204" pitchFamily="49" charset="0"/>
-              </a:rPr>
-              <a:t>else</a:t>
-            </a:r>
-            <a:r>
-              <a:rPr lang="en-US" altLang="ko-KR" spc="-150" dirty="0" smtClean="0">
-                <a:latin typeface="Consolas" panose="020B0609020204030204" pitchFamily="49" charset="0"/>
-              </a:rPr>
-              <a:t>:</a:t>
+              <a:t>  else:</a:t>
             </a:r>
             <a:br>
               <a:rPr lang="en-US" altLang="ko-KR" spc="-150" dirty="0" smtClean="0">
@@ -5643,19 +5751,7 @@
               <a:rPr lang="en-US" altLang="ko-KR" spc="-150" dirty="0" smtClean="0">
                 <a:latin typeface="Consolas" panose="020B0609020204030204" pitchFamily="49" charset="0"/>
               </a:rPr>
-              <a:t>		print 'Number of chickens : </a:t>
-            </a:r>
-            <a:r>
-              <a:rPr lang="en-US" altLang="ko-KR" spc="-150" dirty="0" smtClean="0">
-                <a:latin typeface="Consolas" panose="020B0609020204030204" pitchFamily="49" charset="0"/>
-              </a:rPr>
-              <a:t>', </a:t>
-            </a:r>
-            <a:r>
-              <a:rPr lang="en-US" altLang="ko-KR" spc="-150" dirty="0" smtClean="0">
-                <a:latin typeface="Consolas" panose="020B0609020204030204" pitchFamily="49" charset="0"/>
-              </a:rPr>
-              <a:t>chickens</a:t>
+              <a:t>		print 'Number of chickens : ', chickens</a:t>
             </a:r>
             <a:br>
               <a:rPr lang="en-US" altLang="ko-KR" spc="-150" dirty="0" smtClean="0">
@@ -7447,42 +7543,18 @@
               <a:rPr lang="en-US" altLang="ko-KR" spc="-150" dirty="0" smtClean="0">
                 <a:latin typeface="Consolas" panose="020B0609020204030204" pitchFamily="49" charset="0"/>
               </a:rPr>
-              <a:t>	</a:t>
-            </a:r>
-            <a:r>
-              <a:rPr lang="en-US" altLang="ko-KR" spc="-150" dirty="0" smtClean="0">
-                <a:latin typeface="Consolas" panose="020B0609020204030204" pitchFamily="49" charset="0"/>
-              </a:rPr>
-              <a:t>	print </a:t>
-            </a:r>
-            <a:r>
-              <a:rPr lang="en-US" altLang="ko-KR" spc="-150" dirty="0" smtClean="0">
-                <a:latin typeface="Consolas" panose="020B0609020204030204" pitchFamily="49" charset="0"/>
-              </a:rPr>
-              <a:t>b,</a:t>
-            </a:r>
-            <a:br>
-              <a:rPr lang="en-US" altLang="ko-KR" spc="-150" dirty="0" smtClean="0">
-                <a:latin typeface="Consolas" panose="020B0609020204030204" pitchFamily="49" charset="0"/>
-              </a:rPr>
-            </a:br>
-            <a:r>
-              <a:rPr lang="en-US" altLang="ko-KR" spc="-150" dirty="0" smtClean="0">
-                <a:latin typeface="Consolas" panose="020B0609020204030204" pitchFamily="49" charset="0"/>
-              </a:rPr>
-              <a:t>	</a:t>
-            </a:r>
-            <a:r>
-              <a:rPr lang="en-US" altLang="ko-KR" spc="-150" dirty="0" smtClean="0">
-                <a:latin typeface="Consolas" panose="020B0609020204030204" pitchFamily="49" charset="0"/>
-              </a:rPr>
-              <a:t>	a</a:t>
-            </a:r>
-            <a:r>
-              <a:rPr lang="en-US" altLang="ko-KR" spc="-150" dirty="0" smtClean="0">
-                <a:latin typeface="Consolas" panose="020B0609020204030204" pitchFamily="49" charset="0"/>
-              </a:rPr>
-              <a:t>, b </a:t>
+              <a:t>		print b,</a:t>
+            </a:r>
+            <a:br>
+              <a:rPr lang="en-US" altLang="ko-KR" spc="-150" dirty="0" smtClean="0">
+                <a:latin typeface="Consolas" panose="020B0609020204030204" pitchFamily="49" charset="0"/>
+              </a:rPr>
+            </a:br>
+            <a:r>
+              <a:rPr lang="en-US" altLang="ko-KR" spc="-150" dirty="0" smtClean="0">
+                <a:latin typeface="Consolas" panose="020B0609020204030204" pitchFamily="49" charset="0"/>
+              </a:rPr>
+              <a:t>		a, b </a:t>
             </a:r>
             <a:r>
               <a:rPr lang="en-US" altLang="ko-KR" spc="-150" dirty="0">
@@ -8897,15 +8969,7 @@
             </a:r>
             <a:r>
               <a:rPr lang="en-US" altLang="ko-KR" dirty="0" smtClean="0"/>
-              <a:t> == </a:t>
-            </a:r>
-            <a:r>
-              <a:rPr lang="en-US" altLang="ko-KR" dirty="0" smtClean="0"/>
-              <a:t>0:</a:t>
-            </a:r>
-            <a:r>
-              <a:rPr lang="en-US" altLang="ko-KR" dirty="0" smtClean="0"/>
-              <a:t/>
+              <a:t> == 0:</a:t>
             </a:r>
             <a:br>
               <a:rPr lang="en-US" altLang="ko-KR" dirty="0" smtClean="0"/>
@@ -9574,4 +9638,265 @@
     </a:ext>
   </a:extLst>
 </a:theme>
+</file>
+
+<file path=ppt/theme/theme2.xml><?xml version="1.0" encoding="utf-8"?>
+<a:theme xmlns:a="http://schemas.openxmlformats.org/drawingml/2006/main" name="Office 테마">
+  <a:themeElements>
+    <a:clrScheme name="Office">
+      <a:dk1>
+        <a:sysClr val="windowText" lastClr="000000"/>
+      </a:dk1>
+      <a:lt1>
+        <a:sysClr val="window" lastClr="FFFFFF"/>
+      </a:lt1>
+      <a:dk2>
+        <a:srgbClr val="44546A"/>
+      </a:dk2>
+      <a:lt2>
+        <a:srgbClr val="E7E6E6"/>
+      </a:lt2>
+      <a:accent1>
+        <a:srgbClr val="5B9BD5"/>
+      </a:accent1>
+      <a:accent2>
+        <a:srgbClr val="ED7D31"/>
+      </a:accent2>
+      <a:accent3>
+        <a:srgbClr val="A5A5A5"/>
+      </a:accent3>
+      <a:accent4>
+        <a:srgbClr val="FFC000"/>
+      </a:accent4>
+      <a:accent5>
+        <a:srgbClr val="4472C4"/>
+      </a:accent5>
+      <a:accent6>
+        <a:srgbClr val="70AD47"/>
+      </a:accent6>
+      <a:hlink>
+        <a:srgbClr val="0563C1"/>
+      </a:hlink>
+      <a:folHlink>
+        <a:srgbClr val="954F72"/>
+      </a:folHlink>
+    </a:clrScheme>
+    <a:fontScheme name="Office">
+      <a:majorFont>
+        <a:latin typeface="맑은 고딕" panose="020F0302020204030204"/>
+        <a:ea typeface=""/>
+        <a:cs typeface=""/>
+        <a:font script="Jpan" typeface="ＭＳ Ｐゴシック"/>
+        <a:font script="Hang" typeface="맑은 고딕"/>
+        <a:font script="Hans" typeface="宋体"/>
+        <a:font script="Hant" typeface="新細明體"/>
+        <a:font script="Arab" typeface="Times New Roman"/>
+        <a:font script="Hebr" typeface="Times New Roman"/>
+        <a:font script="Thai" typeface="Angsana New"/>
+        <a:font script="Ethi" typeface="Nyala"/>
+        <a:font script="Beng" typeface="Vrinda"/>
+        <a:font script="Gujr" typeface="Shruti"/>
+        <a:font script="Khmr" typeface="MoolBoran"/>
+        <a:font script="Knda" typeface="Tunga"/>
+        <a:font script="Guru" typeface="Raavi"/>
+        <a:font script="Cans" typeface="Euphemia"/>
+        <a:font script="Cher" typeface="Plantagenet Cherokee"/>
+        <a:font script="Yiii" typeface="Microsoft Yi Baiti"/>
+        <a:font script="Tibt" typeface="Microsoft Himalaya"/>
+        <a:font script="Thaa" typeface="MV Boli"/>
+        <a:font script="Deva" typeface="Mangal"/>
+        <a:font script="Telu" typeface="Gautami"/>
+        <a:font script="Taml" typeface="Latha"/>
+        <a:font script="Syrc" typeface="Estrangelo Edessa"/>
+        <a:font script="Orya" typeface="Kalinga"/>
+        <a:font script="Mlym" typeface="Kartika"/>
+        <a:font script="Laoo" typeface="DokChampa"/>
+        <a:font script="Sinh" typeface="Iskoola Pota"/>
+        <a:font script="Mong" typeface="Mongolian Baiti"/>
+        <a:font script="Viet" typeface="Times New Roman"/>
+        <a:font script="Uigh" typeface="Microsoft Uighur"/>
+        <a:font script="Geor" typeface="Sylfaen"/>
+      </a:majorFont>
+      <a:minorFont>
+        <a:latin typeface="맑은 고딕" panose="020F0502020204030204"/>
+        <a:ea typeface=""/>
+        <a:cs typeface=""/>
+        <a:font script="Jpan" typeface="ＭＳ Ｐゴシック"/>
+        <a:font script="Hang" typeface="맑은 고딕"/>
+        <a:font script="Hans" typeface="宋体"/>
+        <a:font script="Hant" typeface="新細明體"/>
+        <a:font script="Arab" typeface="Arial"/>
+        <a:font script="Hebr" typeface="Arial"/>
+        <a:font script="Thai" typeface="Cordia New"/>
+        <a:font script="Ethi" typeface="Nyala"/>
+        <a:font script="Beng" typeface="Vrinda"/>
+        <a:font script="Gujr" typeface="Shruti"/>
+        <a:font script="Khmr" typeface="DaunPenh"/>
+        <a:font script="Knda" typeface="Tunga"/>
+        <a:font script="Guru" typeface="Raavi"/>
+        <a:font script="Cans" typeface="Euphemia"/>
+        <a:font script="Cher" typeface="Plantagenet Cherokee"/>
+        <a:font script="Yiii" typeface="Microsoft Yi Baiti"/>
+        <a:font script="Tibt" typeface="Microsoft Himalaya"/>
+        <a:font script="Thaa" typeface="MV Boli"/>
+        <a:font script="Deva" typeface="Mangal"/>
+        <a:font script="Telu" typeface="Gautami"/>
+        <a:font script="Taml" typeface="Latha"/>
+        <a:font script="Syrc" typeface="Estrangelo Edessa"/>
+        <a:font script="Orya" typeface="Kalinga"/>
+        <a:font script="Mlym" typeface="Kartika"/>
+        <a:font script="Laoo" typeface="DokChampa"/>
+        <a:font script="Sinh" typeface="Iskoola Pota"/>
+        <a:font script="Mong" typeface="Mongolian Baiti"/>
+        <a:font script="Viet" typeface="Arial"/>
+        <a:font script="Uigh" typeface="Microsoft Uighur"/>
+        <a:font script="Geor" typeface="Sylfaen"/>
+      </a:minorFont>
+    </a:fontScheme>
+    <a:fmtScheme name="Office">
+      <a:fillStyleLst>
+        <a:solidFill>
+          <a:schemeClr val="phClr"/>
+        </a:solidFill>
+        <a:gradFill rotWithShape="1">
+          <a:gsLst>
+            <a:gs pos="0">
+              <a:schemeClr val="phClr">
+                <a:lumMod val="110000"/>
+                <a:satMod val="105000"/>
+                <a:tint val="67000"/>
+              </a:schemeClr>
+            </a:gs>
+            <a:gs pos="50000">
+              <a:schemeClr val="phClr">
+                <a:lumMod val="105000"/>
+                <a:satMod val="103000"/>
+                <a:tint val="73000"/>
+              </a:schemeClr>
+            </a:gs>
+            <a:gs pos="100000">
+              <a:schemeClr val="phClr">
+                <a:lumMod val="105000"/>
+                <a:satMod val="109000"/>
+                <a:tint val="81000"/>
+              </a:schemeClr>
+            </a:gs>
+          </a:gsLst>
+          <a:lin ang="5400000" scaled="0"/>
+        </a:gradFill>
+        <a:gradFill rotWithShape="1">
+          <a:gsLst>
+            <a:gs pos="0">
+              <a:schemeClr val="phClr">
+                <a:satMod val="103000"/>
+                <a:lumMod val="102000"/>
+                <a:tint val="94000"/>
+              </a:schemeClr>
+            </a:gs>
+            <a:gs pos="50000">
+              <a:schemeClr val="phClr">
+                <a:satMod val="110000"/>
+                <a:lumMod val="100000"/>
+                <a:shade val="100000"/>
+              </a:schemeClr>
+            </a:gs>
+            <a:gs pos="100000">
+              <a:schemeClr val="phClr">
+                <a:lumMod val="99000"/>
+                <a:satMod val="120000"/>
+                <a:shade val="78000"/>
+              </a:schemeClr>
+            </a:gs>
+          </a:gsLst>
+          <a:lin ang="5400000" scaled="0"/>
+        </a:gradFill>
+      </a:fillStyleLst>
+      <a:lnStyleLst>
+        <a:ln w="6350" cap="flat" cmpd="sng" algn="ctr">
+          <a:solidFill>
+            <a:schemeClr val="phClr"/>
+          </a:solidFill>
+          <a:prstDash val="solid"/>
+          <a:miter lim="800000"/>
+        </a:ln>
+        <a:ln w="12700" cap="flat" cmpd="sng" algn="ctr">
+          <a:solidFill>
+            <a:schemeClr val="phClr"/>
+          </a:solidFill>
+          <a:prstDash val="solid"/>
+          <a:miter lim="800000"/>
+        </a:ln>
+        <a:ln w="19050" cap="flat" cmpd="sng" algn="ctr">
+          <a:solidFill>
+            <a:schemeClr val="phClr"/>
+          </a:solidFill>
+          <a:prstDash val="solid"/>
+          <a:miter lim="800000"/>
+        </a:ln>
+      </a:lnStyleLst>
+      <a:effectStyleLst>
+        <a:effectStyle>
+          <a:effectLst/>
+        </a:effectStyle>
+        <a:effectStyle>
+          <a:effectLst/>
+        </a:effectStyle>
+        <a:effectStyle>
+          <a:effectLst>
+            <a:outerShdw blurRad="57150" dist="19050" dir="5400000" algn="ctr" rotWithShape="0">
+              <a:srgbClr val="000000">
+                <a:alpha val="63000"/>
+              </a:srgbClr>
+            </a:outerShdw>
+          </a:effectLst>
+        </a:effectStyle>
+      </a:effectStyleLst>
+      <a:bgFillStyleLst>
+        <a:solidFill>
+          <a:schemeClr val="phClr"/>
+        </a:solidFill>
+        <a:solidFill>
+          <a:schemeClr val="phClr">
+            <a:tint val="95000"/>
+            <a:satMod val="170000"/>
+          </a:schemeClr>
+        </a:solidFill>
+        <a:gradFill rotWithShape="1">
+          <a:gsLst>
+            <a:gs pos="0">
+              <a:schemeClr val="phClr">
+                <a:tint val="93000"/>
+                <a:satMod val="150000"/>
+                <a:shade val="98000"/>
+                <a:lumMod val="102000"/>
+              </a:schemeClr>
+            </a:gs>
+            <a:gs pos="50000">
+              <a:schemeClr val="phClr">
+                <a:tint val="98000"/>
+                <a:satMod val="130000"/>
+                <a:shade val="90000"/>
+                <a:lumMod val="103000"/>
+              </a:schemeClr>
+            </a:gs>
+            <a:gs pos="100000">
+              <a:schemeClr val="phClr">
+                <a:shade val="63000"/>
+                <a:satMod val="120000"/>
+              </a:schemeClr>
+            </a:gs>
+          </a:gsLst>
+          <a:lin ang="5400000" scaled="0"/>
+        </a:gradFill>
+      </a:bgFillStyleLst>
+    </a:fmtScheme>
+  </a:themeElements>
+  <a:objectDefaults/>
+  <a:extraClrSchemeLst/>
+  <a:extLst>
+    <a:ext uri="{05A4C25C-085E-4340-85A3-A5531E510DB2}">
+      <thm15:themeFamily xmlns:thm15="http://schemas.microsoft.com/office/thememl/2012/main" name="Office Theme" id="{62F939B6-93AF-4DB8-9C6B-D6C7DFDC589F}" vid="{4A3C46E8-61CC-4603-A589-7422A47A8E4A}"/>
+    </a:ext>
+  </a:extLst>
+</a:theme>
 </file>
--- a/ppt/Python_4_함수.pptx
+++ b/ppt/Python_4_함수.pptx
@@ -223,7 +223,7 @@
           <a:p>
             <a:fld id="{0C61F2AF-7749-4A57-83FD-5065735D0294}" type="datetimeFigureOut">
               <a:rPr lang="ko-KR" altLang="en-US" smtClean="0"/>
-              <a:t>2017-04-03</a:t>
+              <a:t>2018-02-26</a:t>
             </a:fld>
             <a:endParaRPr lang="ko-KR" altLang="en-US"/>
           </a:p>
@@ -437,7 +437,7 @@
           <a:p>
             <a:fld id="{91D843F1-2AAD-4B1B-985F-9B358CDA7641}" type="datetimeFigureOut">
               <a:rPr lang="ko-KR" altLang="en-US" smtClean="0"/>
-              <a:t>2017-04-03</a:t>
+              <a:t>2018-02-26</a:t>
             </a:fld>
             <a:endParaRPr lang="ko-KR" altLang="en-US"/>
           </a:p>
@@ -607,7 +607,7 @@
           <a:p>
             <a:fld id="{91D843F1-2AAD-4B1B-985F-9B358CDA7641}" type="datetimeFigureOut">
               <a:rPr lang="ko-KR" altLang="en-US" smtClean="0"/>
-              <a:t>2017-04-03</a:t>
+              <a:t>2018-02-26</a:t>
             </a:fld>
             <a:endParaRPr lang="ko-KR" altLang="en-US"/>
           </a:p>
@@ -787,7 +787,7 @@
           <a:p>
             <a:fld id="{91D843F1-2AAD-4B1B-985F-9B358CDA7641}" type="datetimeFigureOut">
               <a:rPr lang="ko-KR" altLang="en-US" smtClean="0"/>
-              <a:t>2017-04-03</a:t>
+              <a:t>2018-02-26</a:t>
             </a:fld>
             <a:endParaRPr lang="ko-KR" altLang="en-US"/>
           </a:p>
@@ -957,7 +957,7 @@
           <a:p>
             <a:fld id="{91D843F1-2AAD-4B1B-985F-9B358CDA7641}" type="datetimeFigureOut">
               <a:rPr lang="ko-KR" altLang="en-US" smtClean="0"/>
-              <a:t>2017-04-03</a:t>
+              <a:t>2018-02-26</a:t>
             </a:fld>
             <a:endParaRPr lang="ko-KR" altLang="en-US"/>
           </a:p>
@@ -1203,7 +1203,7 @@
           <a:p>
             <a:fld id="{91D843F1-2AAD-4B1B-985F-9B358CDA7641}" type="datetimeFigureOut">
               <a:rPr lang="ko-KR" altLang="en-US" smtClean="0"/>
-              <a:t>2017-04-03</a:t>
+              <a:t>2018-02-26</a:t>
             </a:fld>
             <a:endParaRPr lang="ko-KR" altLang="en-US"/>
           </a:p>
@@ -1435,7 +1435,7 @@
           <a:p>
             <a:fld id="{91D843F1-2AAD-4B1B-985F-9B358CDA7641}" type="datetimeFigureOut">
               <a:rPr lang="ko-KR" altLang="en-US" smtClean="0"/>
-              <a:t>2017-04-03</a:t>
+              <a:t>2018-02-26</a:t>
             </a:fld>
             <a:endParaRPr lang="ko-KR" altLang="en-US"/>
           </a:p>
@@ -1802,7 +1802,7 @@
           <a:p>
             <a:fld id="{91D843F1-2AAD-4B1B-985F-9B358CDA7641}" type="datetimeFigureOut">
               <a:rPr lang="ko-KR" altLang="en-US" smtClean="0"/>
-              <a:t>2017-04-03</a:t>
+              <a:t>2018-02-26</a:t>
             </a:fld>
             <a:endParaRPr lang="ko-KR" altLang="en-US"/>
           </a:p>
@@ -1920,7 +1920,7 @@
           <a:p>
             <a:fld id="{91D843F1-2AAD-4B1B-985F-9B358CDA7641}" type="datetimeFigureOut">
               <a:rPr lang="ko-KR" altLang="en-US" smtClean="0"/>
-              <a:t>2017-04-03</a:t>
+              <a:t>2018-02-26</a:t>
             </a:fld>
             <a:endParaRPr lang="ko-KR" altLang="en-US"/>
           </a:p>
@@ -2015,7 +2015,7 @@
           <a:p>
             <a:fld id="{91D843F1-2AAD-4B1B-985F-9B358CDA7641}" type="datetimeFigureOut">
               <a:rPr lang="ko-KR" altLang="en-US" smtClean="0"/>
-              <a:t>2017-04-03</a:t>
+              <a:t>2018-02-26</a:t>
             </a:fld>
             <a:endParaRPr lang="ko-KR" altLang="en-US"/>
           </a:p>
@@ -2292,7 +2292,7 @@
           <a:p>
             <a:fld id="{91D843F1-2AAD-4B1B-985F-9B358CDA7641}" type="datetimeFigureOut">
               <a:rPr lang="ko-KR" altLang="en-US" smtClean="0"/>
-              <a:t>2017-04-03</a:t>
+              <a:t>2018-02-26</a:t>
             </a:fld>
             <a:endParaRPr lang="ko-KR" altLang="en-US"/>
           </a:p>
@@ -2545,7 +2545,7 @@
           <a:p>
             <a:fld id="{91D843F1-2AAD-4B1B-985F-9B358CDA7641}" type="datetimeFigureOut">
               <a:rPr lang="ko-KR" altLang="en-US" smtClean="0"/>
-              <a:t>2017-04-03</a:t>
+              <a:t>2018-02-26</a:t>
             </a:fld>
             <a:endParaRPr lang="ko-KR" altLang="en-US"/>
           </a:p>
@@ -2758,7 +2758,7 @@
           <a:p>
             <a:fld id="{91D843F1-2AAD-4B1B-985F-9B358CDA7641}" type="datetimeFigureOut">
               <a:rPr lang="ko-KR" altLang="en-US" smtClean="0"/>
-              <a:t>2017-04-03</a:t>
+              <a:t>2018-02-26</a:t>
             </a:fld>
             <a:endParaRPr lang="ko-KR" altLang="en-US"/>
           </a:p>
@@ -3375,7 +3375,13 @@
               <a:rPr lang="en-US" altLang="ko-KR" spc="-150" dirty="0">
                 <a:latin typeface="Consolas" panose="020B0609020204030204" pitchFamily="49" charset="0"/>
               </a:rPr>
-              <a:t>		print </a:t>
+              <a:t>		</a:t>
+            </a:r>
+            <a:r>
+              <a:rPr lang="en-US" altLang="ko-KR" spc="-150" dirty="0">
+                <a:latin typeface="Consolas" panose="020B0609020204030204" pitchFamily="49" charset="0"/>
+              </a:rPr>
+              <a:t>print(</a:t>
             </a:r>
             <a:r>
               <a:rPr lang="en-US" altLang="ko-KR" spc="-150" dirty="0" err="1">
@@ -3399,7 +3405,7 @@
               <a:rPr lang="en-US" altLang="ko-KR" spc="-150" dirty="0">
                 <a:latin typeface="Consolas" panose="020B0609020204030204" pitchFamily="49" charset="0"/>
               </a:rPr>
-              <a:t/>
+              <a:t>)</a:t>
             </a:r>
             <a:br>
               <a:rPr lang="en-US" altLang="ko-KR" spc="-150" dirty="0">
@@ -3421,7 +3427,7 @@
               <a:rPr lang="en-US" altLang="ko-KR" spc="-150" dirty="0">
                 <a:latin typeface="Consolas" panose="020B0609020204030204" pitchFamily="49" charset="0"/>
               </a:rPr>
-              <a:t>		print </a:t>
+              <a:t>		print(</a:t>
             </a:r>
             <a:r>
               <a:rPr lang="en-US" altLang="ko-KR" spc="-150" dirty="0" err="1">
@@ -3433,7 +3439,7 @@
               <a:rPr lang="en-US" altLang="ko-KR" spc="-150" dirty="0">
                 <a:latin typeface="Consolas" panose="020B0609020204030204" pitchFamily="49" charset="0"/>
               </a:rPr>
-              <a:t>, </a:t>
+              <a:t> + ', ' + </a:t>
             </a:r>
             <a:r>
               <a:rPr lang="en-US" altLang="ko-KR" spc="-150" dirty="0" err="1">
@@ -3445,7 +3451,7 @@
               <a:rPr lang="en-US" altLang="ko-KR" spc="-150" dirty="0">
                 <a:latin typeface="Consolas" panose="020B0609020204030204" pitchFamily="49" charset="0"/>
               </a:rPr>
-              <a:t/>
+              <a:t>)</a:t>
             </a:r>
             <a:br>
               <a:rPr lang="en-US" altLang="ko-KR" spc="-150" dirty="0">
@@ -3657,8 +3663,11 @@
               <a:rPr lang="en-US" altLang="ko-KR" spc="-150" dirty="0" smtClean="0">
                 <a:latin typeface="Consolas" panose="020B0609020204030204" pitchFamily="49" charset="0"/>
               </a:rPr>
-              <a:t>print x</a:t>
-            </a:r>
+              <a:t>print(x)</a:t>
+            </a:r>
+            <a:endParaRPr lang="en-US" altLang="ko-KR" spc="-150" dirty="0" smtClean="0">
+              <a:latin typeface="Consolas" panose="020B0609020204030204" pitchFamily="49" charset="0"/>
+            </a:endParaRPr>
           </a:p>
           <a:p>
             <a:pPr marL="0" indent="0">
@@ -3823,8 +3832,11 @@
               <a:rPr lang="en-US" altLang="ko-KR" spc="-150" dirty="0" smtClean="0">
                 <a:latin typeface="Consolas" panose="020B0609020204030204" pitchFamily="49" charset="0"/>
               </a:rPr>
-              <a:t>print x</a:t>
-            </a:r>
+              <a:t>print(x)</a:t>
+            </a:r>
+            <a:endParaRPr lang="en-US" altLang="ko-KR" spc="-150" dirty="0" smtClean="0">
+              <a:latin typeface="Consolas" panose="020B0609020204030204" pitchFamily="49" charset="0"/>
+            </a:endParaRPr>
           </a:p>
         </p:txBody>
       </p:sp>
@@ -3994,11 +4006,14 @@
               </a:rPr>
             </a:br>
             <a:r>
-              <a:rPr lang="en-US" altLang="ko-KR" spc="-150" dirty="0">
-                <a:latin typeface="Consolas" panose="020B0609020204030204" pitchFamily="49" charset="0"/>
-              </a:rPr>
-              <a:t>print x</a:t>
-            </a:r>
+              <a:rPr lang="en-US" altLang="ko-KR" spc="-150" dirty="0" smtClean="0">
+                <a:latin typeface="Consolas" panose="020B0609020204030204" pitchFamily="49" charset="0"/>
+              </a:rPr>
+              <a:t>print(x)</a:t>
+            </a:r>
+            <a:endParaRPr lang="en-US" altLang="ko-KR" spc="-150" dirty="0">
+              <a:latin typeface="Consolas" panose="020B0609020204030204" pitchFamily="49" charset="0"/>
+            </a:endParaRPr>
           </a:p>
           <a:p>
             <a:pPr marL="0" indent="0">
@@ -4111,11 +4126,14 @@
               </a:rPr>
             </a:br>
             <a:r>
-              <a:rPr lang="en-US" altLang="ko-KR" spc="-150" dirty="0">
-                <a:latin typeface="Consolas" panose="020B0609020204030204" pitchFamily="49" charset="0"/>
-              </a:rPr>
-              <a:t>print x</a:t>
-            </a:r>
+              <a:rPr lang="en-US" altLang="ko-KR" spc="-150" dirty="0" smtClean="0">
+                <a:latin typeface="Consolas" panose="020B0609020204030204" pitchFamily="49" charset="0"/>
+              </a:rPr>
+              <a:t>print(x)</a:t>
+            </a:r>
+            <a:endParaRPr lang="en-US" altLang="ko-KR" spc="-150" dirty="0">
+              <a:latin typeface="Consolas" panose="020B0609020204030204" pitchFamily="49" charset="0"/>
+            </a:endParaRPr>
           </a:p>
           <a:p>
             <a:endParaRPr lang="ko-KR" altLang="en-US" dirty="0"/>
@@ -4317,11 +4335,14 @@
               </a:rPr>
             </a:br>
             <a:r>
-              <a:rPr lang="en-US" altLang="ko-KR" dirty="0">
-                <a:latin typeface="Consolas" panose="020B0609020204030204" pitchFamily="49" charset="0"/>
-              </a:rPr>
-              <a:t>print x</a:t>
-            </a:r>
+              <a:rPr lang="en-US" altLang="ko-KR" dirty="0" smtClean="0">
+                <a:latin typeface="Consolas" panose="020B0609020204030204" pitchFamily="49" charset="0"/>
+              </a:rPr>
+              <a:t>print(x)</a:t>
+            </a:r>
+            <a:endParaRPr lang="en-US" altLang="ko-KR" dirty="0">
+              <a:latin typeface="Consolas" panose="020B0609020204030204" pitchFamily="49" charset="0"/>
+            </a:endParaRPr>
           </a:p>
           <a:p>
             <a:pPr marL="0" indent="0">
@@ -4457,11 +4478,14 @@
               </a:rPr>
             </a:br>
             <a:r>
-              <a:rPr lang="en-US" altLang="ko-KR" dirty="0">
-                <a:latin typeface="Consolas" panose="020B0609020204030204" pitchFamily="49" charset="0"/>
-              </a:rPr>
-              <a:t>print x</a:t>
-            </a:r>
+              <a:rPr lang="en-US" altLang="ko-KR" dirty="0" smtClean="0">
+                <a:latin typeface="Consolas" panose="020B0609020204030204" pitchFamily="49" charset="0"/>
+              </a:rPr>
+              <a:t>print(x)</a:t>
+            </a:r>
+            <a:endParaRPr lang="en-US" altLang="ko-KR" dirty="0">
+              <a:latin typeface="Consolas" panose="020B0609020204030204" pitchFamily="49" charset="0"/>
+            </a:endParaRPr>
           </a:p>
           <a:p>
             <a:endParaRPr lang="ko-KR" altLang="en-US" dirty="0"/>
@@ -5661,13 +5685,7 @@
               <a:rPr lang="en-US" altLang="ko-KR" spc="-150" smtClean="0">
                 <a:latin typeface="Consolas" panose="020B0609020204030204" pitchFamily="49" charset="0"/>
               </a:rPr>
-              <a:t>(</a:t>
-            </a:r>
-            <a:r>
-              <a:rPr lang="en-US" altLang="ko-KR" spc="-150" smtClean="0">
-                <a:latin typeface="Consolas" panose="020B0609020204030204" pitchFamily="49" charset="0"/>
-              </a:rPr>
-              <a:t>'Enter </a:t>
+              <a:t>('Enter </a:t>
             </a:r>
             <a:r>
               <a:rPr lang="en-US" altLang="ko-KR" spc="-150" dirty="0" smtClean="0">
@@ -8645,8 +8663,21 @@
             </a:br>
             <a:r>
               <a:rPr lang="en-US" altLang="ko-KR" dirty="0" smtClean="0"/>
-              <a:t>	print "This function does nothing."</a:t>
-            </a:r>
+              <a:t>	</a:t>
+            </a:r>
+            <a:r>
+              <a:rPr lang="en-US" altLang="ko-KR" dirty="0" smtClean="0"/>
+              <a:t>print("This </a:t>
+            </a:r>
+            <a:r>
+              <a:rPr lang="en-US" altLang="ko-KR" dirty="0" smtClean="0"/>
+              <a:t>function does nothing</a:t>
+            </a:r>
+            <a:r>
+              <a:rPr lang="en-US" altLang="ko-KR" dirty="0" smtClean="0"/>
+              <a:t>.")</a:t>
+            </a:r>
+            <a:endParaRPr lang="en-US" altLang="ko-KR" dirty="0" smtClean="0"/>
           </a:p>
           <a:p>
             <a:endParaRPr lang="en-US" altLang="ko-KR" dirty="0"/>
@@ -9146,7 +9177,13 @@
               <a:rPr lang="en-US" altLang="ko-KR" sz="2400" spc="-150" dirty="0" smtClean="0">
                 <a:latin typeface="Consolas" panose="020B0609020204030204" pitchFamily="49" charset="0"/>
               </a:rPr>
-              <a:t>		print </a:t>
+              <a:t>		</a:t>
+            </a:r>
+            <a:r>
+              <a:rPr lang="en-US" altLang="ko-KR" sz="2400" spc="-150" dirty="0" smtClean="0">
+                <a:latin typeface="Consolas" panose="020B0609020204030204" pitchFamily="49" charset="0"/>
+              </a:rPr>
+              <a:t>print(</a:t>
             </a:r>
             <a:r>
               <a:rPr lang="en-US" altLang="ko-KR" sz="2400" spc="-150" dirty="0" err="1" smtClean="0">
@@ -9158,7 +9195,13 @@
               <a:rPr lang="en-US" altLang="ko-KR" sz="2400" spc="-150" dirty="0" smtClean="0">
                 <a:latin typeface="Consolas" panose="020B0609020204030204" pitchFamily="49" charset="0"/>
               </a:rPr>
-              <a:t> + ', ' + </a:t>
+              <a:t> </a:t>
+            </a:r>
+            <a:r>
+              <a:rPr lang="en-US" altLang="ko-KR" sz="2400" spc="-150" dirty="0" smtClean="0">
+                <a:latin typeface="Consolas" panose="020B0609020204030204" pitchFamily="49" charset="0"/>
+              </a:rPr>
+              <a:t>+ ', ' + </a:t>
             </a:r>
             <a:r>
               <a:rPr lang="en-US" altLang="ko-KR" sz="2400" spc="-150" dirty="0" err="1" smtClean="0">
@@ -9170,6 +9213,12 @@
               <a:rPr lang="en-US" altLang="ko-KR" sz="2400" spc="-150" dirty="0" smtClean="0">
                 <a:latin typeface="Consolas" panose="020B0609020204030204" pitchFamily="49" charset="0"/>
               </a:rPr>
+              <a:t>)</a:t>
+            </a:r>
+            <a:r>
+              <a:rPr lang="en-US" altLang="ko-KR" sz="2400" spc="-150" dirty="0" smtClean="0">
+                <a:latin typeface="Consolas" panose="020B0609020204030204" pitchFamily="49" charset="0"/>
+              </a:rPr>
               <a:t/>
             </a:r>
             <a:br>
@@ -9192,7 +9241,13 @@
               <a:rPr lang="en-US" altLang="ko-KR" sz="2400" spc="-150" dirty="0" smtClean="0">
                 <a:latin typeface="Consolas" panose="020B0609020204030204" pitchFamily="49" charset="0"/>
               </a:rPr>
-              <a:t>		print </a:t>
+              <a:t>		</a:t>
+            </a:r>
+            <a:r>
+              <a:rPr lang="en-US" altLang="ko-KR" sz="2400" spc="-150" dirty="0" smtClean="0">
+                <a:latin typeface="Consolas" panose="020B0609020204030204" pitchFamily="49" charset="0"/>
+              </a:rPr>
+              <a:t>print(</a:t>
             </a:r>
             <a:r>
               <a:rPr lang="en-US" altLang="ko-KR" sz="2400" spc="-150" dirty="0" err="1" smtClean="0">
@@ -9204,13 +9259,25 @@
               <a:rPr lang="en-US" altLang="ko-KR" sz="2400" spc="-150" dirty="0" smtClean="0">
                 <a:latin typeface="Consolas" panose="020B0609020204030204" pitchFamily="49" charset="0"/>
               </a:rPr>
-              <a:t>, </a:t>
+              <a:t> </a:t>
+            </a:r>
+            <a:r>
+              <a:rPr lang="en-US" altLang="ko-KR" sz="2400" spc="-150" dirty="0">
+                <a:latin typeface="Consolas" panose="020B0609020204030204" pitchFamily="49" charset="0"/>
+              </a:rPr>
+              <a:t>+ ', ' + </a:t>
             </a:r>
             <a:r>
               <a:rPr lang="en-US" altLang="ko-KR" sz="2400" spc="-150" dirty="0" err="1" smtClean="0">
                 <a:latin typeface="Consolas" panose="020B0609020204030204" pitchFamily="49" charset="0"/>
               </a:rPr>
               <a:t>lastName</a:t>
+            </a:r>
+            <a:r>
+              <a:rPr lang="en-US" altLang="ko-KR" sz="2400" spc="-150" dirty="0">
+                <a:latin typeface="Consolas" panose="020B0609020204030204" pitchFamily="49" charset="0"/>
+              </a:rPr>
+              <a:t>)</a:t>
             </a:r>
             <a:r>
               <a:rPr lang="en-US" altLang="ko-KR" sz="2400" spc="-150" dirty="0" smtClean="0">

--- a/ppt/Python_4_함수.pptx
+++ b/ppt/Python_4_함수.pptx
@@ -5,7 +5,7 @@
     <p:sldMasterId id="2147483648" r:id="rId1"/>
   </p:sldMasterIdLst>
   <p:handoutMasterIdLst>
-    <p:handoutMasterId r:id="rId29"/>
+    <p:handoutMasterId r:id="rId28"/>
   </p:handoutMasterIdLst>
   <p:sldIdLst>
     <p:sldId id="256" r:id="rId2"/>
@@ -33,8 +33,7 @@
     <p:sldId id="279" r:id="rId24"/>
     <p:sldId id="275" r:id="rId25"/>
     <p:sldId id="276" r:id="rId26"/>
-    <p:sldId id="277" r:id="rId27"/>
-    <p:sldId id="278" r:id="rId28"/>
+    <p:sldId id="278" r:id="rId27"/>
   </p:sldIdLst>
   <p:sldSz cx="12192000" cy="6858000"/>
   <p:notesSz cx="6797675" cy="9926638"/>
@@ -223,7 +222,7 @@
           <a:p>
             <a:fld id="{0C61F2AF-7749-4A57-83FD-5065735D0294}" type="datetimeFigureOut">
               <a:rPr lang="ko-KR" altLang="en-US" smtClean="0"/>
-              <a:t>2018-02-26</a:t>
+              <a:t>2018-02-28</a:t>
             </a:fld>
             <a:endParaRPr lang="ko-KR" altLang="en-US"/>
           </a:p>
@@ -437,7 +436,7 @@
           <a:p>
             <a:fld id="{91D843F1-2AAD-4B1B-985F-9B358CDA7641}" type="datetimeFigureOut">
               <a:rPr lang="ko-KR" altLang="en-US" smtClean="0"/>
-              <a:t>2018-02-26</a:t>
+              <a:t>2018-02-28</a:t>
             </a:fld>
             <a:endParaRPr lang="ko-KR" altLang="en-US"/>
           </a:p>
@@ -607,7 +606,7 @@
           <a:p>
             <a:fld id="{91D843F1-2AAD-4B1B-985F-9B358CDA7641}" type="datetimeFigureOut">
               <a:rPr lang="ko-KR" altLang="en-US" smtClean="0"/>
-              <a:t>2018-02-26</a:t>
+              <a:t>2018-02-28</a:t>
             </a:fld>
             <a:endParaRPr lang="ko-KR" altLang="en-US"/>
           </a:p>
@@ -787,7 +786,7 @@
           <a:p>
             <a:fld id="{91D843F1-2AAD-4B1B-985F-9B358CDA7641}" type="datetimeFigureOut">
               <a:rPr lang="ko-KR" altLang="en-US" smtClean="0"/>
-              <a:t>2018-02-26</a:t>
+              <a:t>2018-02-28</a:t>
             </a:fld>
             <a:endParaRPr lang="ko-KR" altLang="en-US"/>
           </a:p>
@@ -957,7 +956,7 @@
           <a:p>
             <a:fld id="{91D843F1-2AAD-4B1B-985F-9B358CDA7641}" type="datetimeFigureOut">
               <a:rPr lang="ko-KR" altLang="en-US" smtClean="0"/>
-              <a:t>2018-02-26</a:t>
+              <a:t>2018-02-28</a:t>
             </a:fld>
             <a:endParaRPr lang="ko-KR" altLang="en-US"/>
           </a:p>
@@ -1203,7 +1202,7 @@
           <a:p>
             <a:fld id="{91D843F1-2AAD-4B1B-985F-9B358CDA7641}" type="datetimeFigureOut">
               <a:rPr lang="ko-KR" altLang="en-US" smtClean="0"/>
-              <a:t>2018-02-26</a:t>
+              <a:t>2018-02-28</a:t>
             </a:fld>
             <a:endParaRPr lang="ko-KR" altLang="en-US"/>
           </a:p>
@@ -1435,7 +1434,7 @@
           <a:p>
             <a:fld id="{91D843F1-2AAD-4B1B-985F-9B358CDA7641}" type="datetimeFigureOut">
               <a:rPr lang="ko-KR" altLang="en-US" smtClean="0"/>
-              <a:t>2018-02-26</a:t>
+              <a:t>2018-02-28</a:t>
             </a:fld>
             <a:endParaRPr lang="ko-KR" altLang="en-US"/>
           </a:p>
@@ -1802,7 +1801,7 @@
           <a:p>
             <a:fld id="{91D843F1-2AAD-4B1B-985F-9B358CDA7641}" type="datetimeFigureOut">
               <a:rPr lang="ko-KR" altLang="en-US" smtClean="0"/>
-              <a:t>2018-02-26</a:t>
+              <a:t>2018-02-28</a:t>
             </a:fld>
             <a:endParaRPr lang="ko-KR" altLang="en-US"/>
           </a:p>
@@ -1920,7 +1919,7 @@
           <a:p>
             <a:fld id="{91D843F1-2AAD-4B1B-985F-9B358CDA7641}" type="datetimeFigureOut">
               <a:rPr lang="ko-KR" altLang="en-US" smtClean="0"/>
-              <a:t>2018-02-26</a:t>
+              <a:t>2018-02-28</a:t>
             </a:fld>
             <a:endParaRPr lang="ko-KR" altLang="en-US"/>
           </a:p>
@@ -2015,7 +2014,7 @@
           <a:p>
             <a:fld id="{91D843F1-2AAD-4B1B-985F-9B358CDA7641}" type="datetimeFigureOut">
               <a:rPr lang="ko-KR" altLang="en-US" smtClean="0"/>
-              <a:t>2018-02-26</a:t>
+              <a:t>2018-02-28</a:t>
             </a:fld>
             <a:endParaRPr lang="ko-KR" altLang="en-US"/>
           </a:p>
@@ -2292,7 +2291,7 @@
           <a:p>
             <a:fld id="{91D843F1-2AAD-4B1B-985F-9B358CDA7641}" type="datetimeFigureOut">
               <a:rPr lang="ko-KR" altLang="en-US" smtClean="0"/>
-              <a:t>2018-02-26</a:t>
+              <a:t>2018-02-28</a:t>
             </a:fld>
             <a:endParaRPr lang="ko-KR" altLang="en-US"/>
           </a:p>
@@ -2545,7 +2544,7 @@
           <a:p>
             <a:fld id="{91D843F1-2AAD-4B1B-985F-9B358CDA7641}" type="datetimeFigureOut">
               <a:rPr lang="ko-KR" altLang="en-US" smtClean="0"/>
-              <a:t>2018-02-26</a:t>
+              <a:t>2018-02-28</a:t>
             </a:fld>
             <a:endParaRPr lang="ko-KR" altLang="en-US"/>
           </a:p>
@@ -2758,7 +2757,7 @@
           <a:p>
             <a:fld id="{91D843F1-2AAD-4B1B-985F-9B358CDA7641}" type="datetimeFigureOut">
               <a:rPr lang="ko-KR" altLang="en-US" smtClean="0"/>
-              <a:t>2018-02-26</a:t>
+              <a:t>2018-02-28</a:t>
             </a:fld>
             <a:endParaRPr lang="ko-KR" altLang="en-US"/>
           </a:p>
@@ -3375,13 +3374,7 @@
               <a:rPr lang="en-US" altLang="ko-KR" spc="-150" dirty="0">
                 <a:latin typeface="Consolas" panose="020B0609020204030204" pitchFamily="49" charset="0"/>
               </a:rPr>
-              <a:t>		</a:t>
-            </a:r>
-            <a:r>
-              <a:rPr lang="en-US" altLang="ko-KR" spc="-150" dirty="0">
-                <a:latin typeface="Consolas" panose="020B0609020204030204" pitchFamily="49" charset="0"/>
-              </a:rPr>
-              <a:t>print(</a:t>
+              <a:t>		print(</a:t>
             </a:r>
             <a:r>
               <a:rPr lang="en-US" altLang="ko-KR" spc="-150" dirty="0" err="1">
@@ -3665,9 +3658,6 @@
               </a:rPr>
               <a:t>print(x)</a:t>
             </a:r>
-            <a:endParaRPr lang="en-US" altLang="ko-KR" spc="-150" dirty="0" smtClean="0">
-              <a:latin typeface="Consolas" panose="020B0609020204030204" pitchFamily="49" charset="0"/>
-            </a:endParaRPr>
           </a:p>
           <a:p>
             <a:pPr marL="0" indent="0">
@@ -3834,9 +3824,6 @@
               </a:rPr>
               <a:t>print(x)</a:t>
             </a:r>
-            <a:endParaRPr lang="en-US" altLang="ko-KR" spc="-150" dirty="0" smtClean="0">
-              <a:latin typeface="Consolas" panose="020B0609020204030204" pitchFamily="49" charset="0"/>
-            </a:endParaRPr>
           </a:p>
         </p:txBody>
       </p:sp>
@@ -4678,7 +4665,7 @@
               <a:rPr lang="en-US" altLang="ko-KR" spc="-150" dirty="0" smtClean="0">
                 <a:latin typeface="Consolas" panose="020B0609020204030204" pitchFamily="49" charset="0"/>
               </a:rPr>
-              <a:t>print x, y</a:t>
+              <a:t>print(x, y)</a:t>
             </a:r>
             <a:endParaRPr lang="ko-KR" altLang="en-US" spc="-150" dirty="0">
               <a:latin typeface="Consolas" panose="020B0609020204030204" pitchFamily="49" charset="0"/>
@@ -4922,23 +4909,20 @@
               <a:rPr lang="en-US" altLang="ko-KR" spc="-150" dirty="0" smtClean="0">
                 <a:latin typeface="Consolas" panose="020B0609020204030204" pitchFamily="49" charset="0"/>
               </a:rPr>
-              <a:t>print farm(20, 56)</a:t>
-            </a:r>
-            <a:br>
-              <a:rPr lang="en-US" altLang="ko-KR" spc="-150" dirty="0" smtClean="0">
-                <a:latin typeface="Consolas" panose="020B0609020204030204" pitchFamily="49" charset="0"/>
-              </a:rPr>
-            </a:br>
-            <a:r>
-              <a:rPr lang="en-US" altLang="ko-KR" spc="-150" dirty="0" smtClean="0">
-                <a:latin typeface="Consolas" panose="020B0609020204030204" pitchFamily="49" charset="0"/>
-              </a:rPr>
-              <a:t>print farm(20, 60)</a:t>
-            </a:r>
-            <a:r>
-              <a:rPr lang="en-US" altLang="ko-KR" dirty="0" smtClean="0"/>
-              <a:t>	</a:t>
-            </a:r>
+              <a:t>print(farm(20, 56))</a:t>
+            </a:r>
+            <a:br>
+              <a:rPr lang="en-US" altLang="ko-KR" spc="-150" dirty="0" smtClean="0">
+                <a:latin typeface="Consolas" panose="020B0609020204030204" pitchFamily="49" charset="0"/>
+              </a:rPr>
+            </a:br>
+            <a:r>
+              <a:rPr lang="en-US" altLang="ko-KR" spc="-150" dirty="0" smtClean="0">
+                <a:latin typeface="Consolas" panose="020B0609020204030204" pitchFamily="49" charset="0"/>
+              </a:rPr>
+              <a:t>print(farm(20, 60))</a:t>
+            </a:r>
+            <a:endParaRPr lang="en-US" altLang="ko-KR" dirty="0" smtClean="0"/>
           </a:p>
         </p:txBody>
       </p:sp>
@@ -5638,60 +5622,36 @@
               <a:rPr lang="en-US" altLang="ko-KR" spc="-150" dirty="0" smtClean="0">
                 <a:latin typeface="Consolas" panose="020B0609020204030204" pitchFamily="49" charset="0"/>
               </a:rPr>
-              <a:t>(</a:t>
+              <a:t>(input('Enter the number of heads : '))</a:t>
+            </a:r>
+            <a:br>
+              <a:rPr lang="en-US" altLang="ko-KR" spc="-150" dirty="0" smtClean="0">
+                <a:latin typeface="Consolas" panose="020B0609020204030204" pitchFamily="49" charset="0"/>
+              </a:rPr>
+            </a:br>
+            <a:r>
+              <a:rPr lang="en-US" altLang="ko-KR" spc="-150" dirty="0" smtClean="0">
+                <a:latin typeface="Consolas" panose="020B0609020204030204" pitchFamily="49" charset="0"/>
+              </a:rPr>
+              <a:t>   legs = </a:t>
             </a:r>
             <a:r>
               <a:rPr lang="en-US" altLang="ko-KR" spc="-150" dirty="0" err="1" smtClean="0">
                 <a:latin typeface="Consolas" panose="020B0609020204030204" pitchFamily="49" charset="0"/>
               </a:rPr>
-              <a:t>raw_input</a:t>
-            </a:r>
-            <a:r>
-              <a:rPr lang="en-US" altLang="ko-KR" spc="-150" dirty="0" smtClean="0">
-                <a:latin typeface="Consolas" panose="020B0609020204030204" pitchFamily="49" charset="0"/>
-              </a:rPr>
-              <a:t>('Enter the number of heads : '))</a:t>
-            </a:r>
-            <a:br>
-              <a:rPr lang="en-US" altLang="ko-KR" spc="-150" dirty="0" smtClean="0">
-                <a:latin typeface="Consolas" panose="020B0609020204030204" pitchFamily="49" charset="0"/>
-              </a:rPr>
-            </a:br>
-            <a:r>
-              <a:rPr lang="en-US" altLang="ko-KR" spc="-150" dirty="0" smtClean="0">
-                <a:latin typeface="Consolas" panose="020B0609020204030204" pitchFamily="49" charset="0"/>
-              </a:rPr>
-              <a:t>   legs = </a:t>
-            </a:r>
-            <a:r>
-              <a:rPr lang="en-US" altLang="ko-KR" spc="-150" dirty="0" err="1" smtClean="0">
-                <a:latin typeface="Consolas" panose="020B0609020204030204" pitchFamily="49" charset="0"/>
-              </a:rPr>
               <a:t>int</a:t>
             </a:r>
             <a:r>
-              <a:rPr lang="en-US" altLang="ko-KR" spc="-150" dirty="0" smtClean="0">
-                <a:latin typeface="Consolas" panose="020B0609020204030204" pitchFamily="49" charset="0"/>
-              </a:rPr>
-              <a:t>(</a:t>
-            </a:r>
-            <a:r>
-              <a:rPr lang="en-US" altLang="ko-KR" spc="-150" dirty="0" err="1" smtClean="0">
-                <a:latin typeface="Consolas" panose="020B0609020204030204" pitchFamily="49" charset="0"/>
-              </a:rPr>
-              <a:t>raw_input</a:t>
-            </a:r>
-            <a:r>
               <a:rPr lang="en-US" altLang="ko-KR" spc="-150" smtClean="0">
                 <a:latin typeface="Consolas" panose="020B0609020204030204" pitchFamily="49" charset="0"/>
               </a:rPr>
-              <a:t>('Enter </a:t>
-            </a:r>
-            <a:r>
-              <a:rPr lang="en-US" altLang="ko-KR" spc="-150" dirty="0" smtClean="0">
-                <a:latin typeface="Consolas" panose="020B0609020204030204" pitchFamily="49" charset="0"/>
-              </a:rPr>
-              <a:t>the number of legs : '))</a:t>
+              <a:t>(input</a:t>
+            </a:r>
+            <a:r>
+              <a:rPr lang="en-US" altLang="ko-KR" spc="-150" dirty="0" smtClean="0">
+                <a:latin typeface="Consolas" panose="020B0609020204030204" pitchFamily="49" charset="0"/>
+              </a:rPr>
+              <a:t>('Enter the number of legs : '))</a:t>
             </a:r>
             <a:br>
               <a:rPr lang="en-US" altLang="ko-KR" spc="-150" dirty="0" smtClean="0">
@@ -5730,7 +5690,7 @@
               <a:rPr lang="en-US" altLang="ko-KR" spc="-150" dirty="0" smtClean="0">
                 <a:latin typeface="Consolas" panose="020B0609020204030204" pitchFamily="49" charset="0"/>
               </a:rPr>
-              <a:t>		print 'No solution'</a:t>
+              <a:t>		print('No solution')</a:t>
             </a:r>
             <a:br>
               <a:rPr lang="en-US" altLang="ko-KR" spc="-150" dirty="0" smtClean="0">
@@ -5758,18 +5718,18 @@
               <a:rPr lang="en-US" altLang="ko-KR" spc="-150" dirty="0" smtClean="0">
                 <a:latin typeface="Consolas" panose="020B0609020204030204" pitchFamily="49" charset="0"/>
               </a:rPr>
-              <a:t>		print 'Number of pigs : ', pigs</a:t>
-            </a:r>
-            <a:br>
-              <a:rPr lang="en-US" altLang="ko-KR" spc="-150" dirty="0" smtClean="0">
-                <a:latin typeface="Consolas" panose="020B0609020204030204" pitchFamily="49" charset="0"/>
-              </a:rPr>
-            </a:br>
-            <a:r>
-              <a:rPr lang="en-US" altLang="ko-KR" spc="-150" dirty="0" smtClean="0">
-                <a:latin typeface="Consolas" panose="020B0609020204030204" pitchFamily="49" charset="0"/>
-              </a:rPr>
-              <a:t>		print 'Number of chickens : ', chickens</a:t>
+              <a:t>		print('Number of pigs : ', pigs)</a:t>
+            </a:r>
+            <a:br>
+              <a:rPr lang="en-US" altLang="ko-KR" spc="-150" dirty="0" smtClean="0">
+                <a:latin typeface="Consolas" panose="020B0609020204030204" pitchFamily="49" charset="0"/>
+              </a:rPr>
+            </a:br>
+            <a:r>
+              <a:rPr lang="en-US" altLang="ko-KR" spc="-150" dirty="0" smtClean="0">
+                <a:latin typeface="Consolas" panose="020B0609020204030204" pitchFamily="49" charset="0"/>
+              </a:rPr>
+              <a:t>		print('Number of chickens : ', chickens)</a:t>
             </a:r>
             <a:br>
               <a:rPr lang="en-US" altLang="ko-KR" spc="-150" dirty="0" smtClean="0">
@@ -7319,7 +7279,7 @@
         <p:spPr>
           <a:xfrm>
             <a:off x="838200" y="365126"/>
-            <a:ext cx="10515600" cy="1010594"/>
+            <a:ext cx="10515600" cy="740916"/>
           </a:xfrm>
         </p:spPr>
         <p:txBody>
@@ -7328,15 +7288,7 @@
           <a:p>
             <a:r>
               <a:rPr lang="ko-KR" altLang="en-US" dirty="0" smtClean="0"/>
-              <a:t>나만의 </a:t>
-            </a:r>
-            <a:r>
-              <a:rPr lang="en-US" altLang="ko-KR" dirty="0" smtClean="0"/>
-              <a:t>module </a:t>
-            </a:r>
-            <a:r>
-              <a:rPr lang="ko-KR" altLang="en-US" dirty="0" smtClean="0"/>
-              <a:t>만들기</a:t>
+              <a:t>모듈에 대한 여러 가지</a:t>
             </a:r>
             <a:endParaRPr lang="ko-KR" altLang="en-US" dirty="0"/>
           </a:p>
@@ -7354,372 +7306,10 @@
         </p:nvSpPr>
         <p:spPr>
           <a:xfrm>
-            <a:off x="838200" y="1466335"/>
-            <a:ext cx="10515600" cy="4710628"/>
+            <a:off x="838200" y="1226501"/>
+            <a:ext cx="10515600" cy="4950462"/>
           </a:xfrm>
         </p:spPr>
-        <p:txBody>
-          <a:bodyPr>
-            <a:normAutofit fontScale="85000" lnSpcReduction="20000"/>
-          </a:bodyPr>
-          <a:lstStyle/>
-          <a:p>
-            <a:r>
-              <a:rPr lang="ko-KR" altLang="en-US" spc="-150" dirty="0" smtClean="0"/>
-              <a:t>다음의 스크립트를 </a:t>
-            </a:r>
-            <a:r>
-              <a:rPr lang="en-US" altLang="ko-KR" spc="-150" dirty="0" smtClean="0">
-                <a:latin typeface="Consolas" panose="020B0609020204030204" pitchFamily="49" charset="0"/>
-              </a:rPr>
-              <a:t>fibo.py</a:t>
-            </a:r>
-            <a:r>
-              <a:rPr lang="ko-KR" altLang="en-US" spc="-150" dirty="0" smtClean="0"/>
-              <a:t>의 이름으로 현재의 </a:t>
-            </a:r>
-            <a:r>
-              <a:rPr lang="en-US" altLang="ko-KR" spc="-150" dirty="0" smtClean="0"/>
-              <a:t>working directory</a:t>
-            </a:r>
-            <a:r>
-              <a:rPr lang="ko-KR" altLang="en-US" spc="-150" dirty="0" smtClean="0"/>
-              <a:t>에 저장</a:t>
-            </a:r>
-            <a:endParaRPr lang="en-US" altLang="ko-KR" spc="-150" dirty="0" smtClean="0"/>
-          </a:p>
-          <a:p>
-            <a:pPr lvl="1"/>
-            <a:r>
-              <a:rPr lang="ko-KR" altLang="en-US" dirty="0" smtClean="0"/>
-              <a:t>나의 </a:t>
-            </a:r>
-            <a:r>
-              <a:rPr lang="en-US" altLang="ko-KR" dirty="0" smtClean="0"/>
-              <a:t>working directory </a:t>
-            </a:r>
-            <a:r>
-              <a:rPr lang="ko-KR" altLang="en-US" dirty="0" smtClean="0"/>
-              <a:t>찾는 법 </a:t>
-            </a:r>
-            <a:r>
-              <a:rPr lang="en-US" altLang="ko-KR" dirty="0" smtClean="0"/>
-              <a:t>(</a:t>
-            </a:r>
-            <a:r>
-              <a:rPr lang="ko-KR" altLang="en-US" dirty="0" smtClean="0"/>
-              <a:t>콘솔에서 실행해보자</a:t>
-            </a:r>
-            <a:r>
-              <a:rPr lang="en-US" altLang="ko-KR" dirty="0" smtClean="0"/>
-              <a:t>)</a:t>
-            </a:r>
-          </a:p>
-          <a:p>
-            <a:pPr lvl="1"/>
-            <a:r>
-              <a:rPr lang="en-US" altLang="ko-KR" spc="-150" dirty="0" smtClean="0">
-                <a:latin typeface="Consolas" panose="020B0609020204030204" pitchFamily="49" charset="0"/>
-              </a:rPr>
-              <a:t>import </a:t>
-            </a:r>
-            <a:r>
-              <a:rPr lang="en-US" altLang="ko-KR" spc="-150" dirty="0" err="1" smtClean="0">
-                <a:latin typeface="Consolas" panose="020B0609020204030204" pitchFamily="49" charset="0"/>
-              </a:rPr>
-              <a:t>os</a:t>
-            </a:r>
-            <a:r>
-              <a:rPr lang="en-US" altLang="ko-KR" spc="-150" dirty="0" smtClean="0">
-                <a:latin typeface="Consolas" panose="020B0609020204030204" pitchFamily="49" charset="0"/>
-              </a:rPr>
-              <a:t/>
-            </a:r>
-            <a:br>
-              <a:rPr lang="en-US" altLang="ko-KR" spc="-150" dirty="0" smtClean="0">
-                <a:latin typeface="Consolas" panose="020B0609020204030204" pitchFamily="49" charset="0"/>
-              </a:rPr>
-            </a:br>
-            <a:r>
-              <a:rPr lang="en-US" altLang="ko-KR" spc="-150" dirty="0" err="1" smtClean="0">
-                <a:latin typeface="Consolas" panose="020B0609020204030204" pitchFamily="49" charset="0"/>
-              </a:rPr>
-              <a:t>os.getcwd</a:t>
-            </a:r>
-            <a:r>
-              <a:rPr lang="en-US" altLang="ko-KR" spc="-150" dirty="0" smtClean="0">
-                <a:latin typeface="Consolas" panose="020B0609020204030204" pitchFamily="49" charset="0"/>
-              </a:rPr>
-              <a:t>()</a:t>
-            </a:r>
-          </a:p>
-          <a:p>
-            <a:pPr lvl="1"/>
-            <a:endParaRPr lang="en-US" altLang="ko-KR" spc="-150" dirty="0" smtClean="0">
-              <a:latin typeface="Consolas" panose="020B0609020204030204" pitchFamily="49" charset="0"/>
-            </a:endParaRPr>
-          </a:p>
-          <a:p>
-            <a:r>
-              <a:rPr lang="en-US" altLang="ko-KR" dirty="0" smtClean="0"/>
-              <a:t># fibo.py</a:t>
-            </a:r>
-            <a:r>
-              <a:rPr lang="ko-KR" altLang="en-US" dirty="0" smtClean="0"/>
-              <a:t>에 저장할 내용</a:t>
-            </a:r>
-            <a:r>
-              <a:rPr lang="en-US" altLang="ko-KR" dirty="0" smtClean="0"/>
-              <a:t/>
-            </a:r>
-            <a:br>
-              <a:rPr lang="en-US" altLang="ko-KR" dirty="0" smtClean="0"/>
-            </a:br>
-            <a:r>
-              <a:rPr lang="en-US" altLang="ko-KR" dirty="0" smtClean="0"/>
-              <a:t/>
-            </a:r>
-            <a:br>
-              <a:rPr lang="en-US" altLang="ko-KR" dirty="0" smtClean="0"/>
-            </a:br>
-            <a:r>
-              <a:rPr lang="en-US" altLang="ko-KR" spc="-150" dirty="0" err="1" smtClean="0">
-                <a:latin typeface="Consolas" panose="020B0609020204030204" pitchFamily="49" charset="0"/>
-              </a:rPr>
-              <a:t>def</a:t>
-            </a:r>
-            <a:r>
-              <a:rPr lang="en-US" altLang="ko-KR" spc="-150" dirty="0" smtClean="0">
-                <a:latin typeface="Consolas" panose="020B0609020204030204" pitchFamily="49" charset="0"/>
-              </a:rPr>
-              <a:t> </a:t>
-            </a:r>
-            <a:r>
-              <a:rPr lang="en-US" altLang="ko-KR" spc="-150" dirty="0">
-                <a:latin typeface="Consolas" panose="020B0609020204030204" pitchFamily="49" charset="0"/>
-              </a:rPr>
-              <a:t>fib(n):    # write Fibonacci series up to </a:t>
-            </a:r>
-            <a:r>
-              <a:rPr lang="en-US" altLang="ko-KR" spc="-150" dirty="0" smtClean="0">
-                <a:latin typeface="Consolas" panose="020B0609020204030204" pitchFamily="49" charset="0"/>
-              </a:rPr>
-              <a:t>n</a:t>
-            </a:r>
-            <a:br>
-              <a:rPr lang="en-US" altLang="ko-KR" spc="-150" dirty="0" smtClean="0">
-                <a:latin typeface="Consolas" panose="020B0609020204030204" pitchFamily="49" charset="0"/>
-              </a:rPr>
-            </a:br>
-            <a:r>
-              <a:rPr lang="en-US" altLang="ko-KR" spc="-150" dirty="0" smtClean="0">
-                <a:latin typeface="Consolas" panose="020B0609020204030204" pitchFamily="49" charset="0"/>
-              </a:rPr>
-              <a:t>	a</a:t>
-            </a:r>
-            <a:r>
-              <a:rPr lang="en-US" altLang="ko-KR" spc="-150" dirty="0">
-                <a:latin typeface="Consolas" panose="020B0609020204030204" pitchFamily="49" charset="0"/>
-              </a:rPr>
-              <a:t>, b = 0, </a:t>
-            </a:r>
-            <a:r>
-              <a:rPr lang="en-US" altLang="ko-KR" spc="-150" dirty="0" smtClean="0">
-                <a:latin typeface="Consolas" panose="020B0609020204030204" pitchFamily="49" charset="0"/>
-              </a:rPr>
-              <a:t>1</a:t>
-            </a:r>
-            <a:br>
-              <a:rPr lang="en-US" altLang="ko-KR" spc="-150" dirty="0" smtClean="0">
-                <a:latin typeface="Consolas" panose="020B0609020204030204" pitchFamily="49" charset="0"/>
-              </a:rPr>
-            </a:br>
-            <a:r>
-              <a:rPr lang="en-US" altLang="ko-KR" spc="-150" dirty="0" smtClean="0">
-                <a:latin typeface="Consolas" panose="020B0609020204030204" pitchFamily="49" charset="0"/>
-              </a:rPr>
-              <a:t>	while </a:t>
-            </a:r>
-            <a:r>
-              <a:rPr lang="en-US" altLang="ko-KR" spc="-150" dirty="0">
-                <a:latin typeface="Consolas" panose="020B0609020204030204" pitchFamily="49" charset="0"/>
-              </a:rPr>
-              <a:t>b &lt; </a:t>
-            </a:r>
-            <a:r>
-              <a:rPr lang="en-US" altLang="ko-KR" spc="-150" dirty="0" smtClean="0">
-                <a:latin typeface="Consolas" panose="020B0609020204030204" pitchFamily="49" charset="0"/>
-              </a:rPr>
-              <a:t>n:</a:t>
-            </a:r>
-            <a:br>
-              <a:rPr lang="en-US" altLang="ko-KR" spc="-150" dirty="0" smtClean="0">
-                <a:latin typeface="Consolas" panose="020B0609020204030204" pitchFamily="49" charset="0"/>
-              </a:rPr>
-            </a:br>
-            <a:r>
-              <a:rPr lang="en-US" altLang="ko-KR" spc="-150" dirty="0" smtClean="0">
-                <a:latin typeface="Consolas" panose="020B0609020204030204" pitchFamily="49" charset="0"/>
-              </a:rPr>
-              <a:t>		print b,</a:t>
-            </a:r>
-            <a:br>
-              <a:rPr lang="en-US" altLang="ko-KR" spc="-150" dirty="0" smtClean="0">
-                <a:latin typeface="Consolas" panose="020B0609020204030204" pitchFamily="49" charset="0"/>
-              </a:rPr>
-            </a:br>
-            <a:r>
-              <a:rPr lang="en-US" altLang="ko-KR" spc="-150" dirty="0" smtClean="0">
-                <a:latin typeface="Consolas" panose="020B0609020204030204" pitchFamily="49" charset="0"/>
-              </a:rPr>
-              <a:t>		a, b </a:t>
-            </a:r>
-            <a:r>
-              <a:rPr lang="en-US" altLang="ko-KR" spc="-150" dirty="0">
-                <a:latin typeface="Consolas" panose="020B0609020204030204" pitchFamily="49" charset="0"/>
-              </a:rPr>
-              <a:t>= </a:t>
-            </a:r>
-            <a:r>
-              <a:rPr lang="en-US" altLang="ko-KR" spc="-150" dirty="0" smtClean="0">
-                <a:latin typeface="Consolas" panose="020B0609020204030204" pitchFamily="49" charset="0"/>
-              </a:rPr>
-              <a:t>b, </a:t>
-            </a:r>
-            <a:r>
-              <a:rPr lang="en-US" altLang="ko-KR" spc="-150" dirty="0" err="1" smtClean="0">
-                <a:latin typeface="Consolas" panose="020B0609020204030204" pitchFamily="49" charset="0"/>
-              </a:rPr>
-              <a:t>a+b</a:t>
-            </a:r>
-            <a:endParaRPr lang="en-US" altLang="ko-KR" spc="-150" dirty="0">
-              <a:latin typeface="Consolas" panose="020B0609020204030204" pitchFamily="49" charset="0"/>
-            </a:endParaRPr>
-          </a:p>
-          <a:p>
-            <a:r>
-              <a:rPr lang="ko-KR" altLang="en-US" dirty="0" smtClean="0"/>
-              <a:t>위 스크립트를 저장 후 콘솔에서 다음을 실행해 보자</a:t>
-            </a:r>
-            <a:r>
-              <a:rPr lang="en-US" altLang="ko-KR" dirty="0" smtClean="0"/>
-              <a:t/>
-            </a:r>
-            <a:br>
-              <a:rPr lang="en-US" altLang="ko-KR" dirty="0" smtClean="0"/>
-            </a:br>
-            <a:r>
-              <a:rPr lang="en-US" altLang="ko-KR" dirty="0" smtClean="0"/>
-              <a:t/>
-            </a:r>
-            <a:br>
-              <a:rPr lang="en-US" altLang="ko-KR" dirty="0" smtClean="0"/>
-            </a:br>
-            <a:r>
-              <a:rPr lang="en-US" altLang="ko-KR" spc="-150" dirty="0" smtClean="0">
-                <a:latin typeface="Consolas" panose="020B0609020204030204" pitchFamily="49" charset="0"/>
-              </a:rPr>
-              <a:t>import </a:t>
-            </a:r>
-            <a:r>
-              <a:rPr lang="en-US" altLang="ko-KR" spc="-150" dirty="0" err="1" smtClean="0">
-                <a:latin typeface="Consolas" panose="020B0609020204030204" pitchFamily="49" charset="0"/>
-              </a:rPr>
-              <a:t>fibo</a:t>
-            </a:r>
-            <a:r>
-              <a:rPr lang="en-US" altLang="ko-KR" spc="-150" dirty="0" smtClean="0">
-                <a:latin typeface="Consolas" panose="020B0609020204030204" pitchFamily="49" charset="0"/>
-              </a:rPr>
-              <a:t/>
-            </a:r>
-            <a:br>
-              <a:rPr lang="en-US" altLang="ko-KR" spc="-150" dirty="0" smtClean="0">
-                <a:latin typeface="Consolas" panose="020B0609020204030204" pitchFamily="49" charset="0"/>
-              </a:rPr>
-            </a:br>
-            <a:r>
-              <a:rPr lang="en-US" altLang="ko-KR" spc="-150" dirty="0" err="1" smtClean="0">
-                <a:latin typeface="Consolas" panose="020B0609020204030204" pitchFamily="49" charset="0"/>
-              </a:rPr>
-              <a:t>fibo.fib</a:t>
-            </a:r>
-            <a:r>
-              <a:rPr lang="en-US" altLang="ko-KR" spc="-150" dirty="0" smtClean="0">
-                <a:latin typeface="Consolas" panose="020B0609020204030204" pitchFamily="49" charset="0"/>
-              </a:rPr>
-              <a:t>(20) </a:t>
-            </a:r>
-            <a:endParaRPr lang="en-US" altLang="ko-KR" spc="-150" dirty="0">
-              <a:latin typeface="Consolas" panose="020B0609020204030204" pitchFamily="49" charset="0"/>
-            </a:endParaRPr>
-          </a:p>
-        </p:txBody>
-      </p:sp>
-    </p:spTree>
-    <p:extLst>
-      <p:ext uri="{BB962C8B-B14F-4D97-AF65-F5344CB8AC3E}">
-        <p14:creationId xmlns:p14="http://schemas.microsoft.com/office/powerpoint/2010/main" val="93628337"/>
-      </p:ext>
-    </p:extLst>
-  </p:cSld>
-  <p:clrMapOvr>
-    <a:masterClrMapping/>
-  </p:clrMapOvr>
-</p:sld>
-</file>
-
-<file path=ppt/slides/slide27.xml><?xml version="1.0" encoding="utf-8"?>
-<p:sld xmlns:a="http://schemas.openxmlformats.org/drawingml/2006/main" xmlns:r="http://schemas.openxmlformats.org/officeDocument/2006/relationships" xmlns:p="http://schemas.openxmlformats.org/presentationml/2006/main">
-  <p:cSld>
-    <p:spTree>
-      <p:nvGrpSpPr>
-        <p:cNvPr id="1" name=""/>
-        <p:cNvGrpSpPr/>
-        <p:nvPr/>
-      </p:nvGrpSpPr>
-      <p:grpSpPr>
-        <a:xfrm>
-          <a:off x="0" y="0"/>
-          <a:ext cx="0" cy="0"/>
-          <a:chOff x="0" y="0"/>
-          <a:chExt cx="0" cy="0"/>
-        </a:xfrm>
-      </p:grpSpPr>
-      <p:sp>
-        <p:nvSpPr>
-          <p:cNvPr id="2" name="제목 1"/>
-          <p:cNvSpPr>
-            <a:spLocks noGrp="1"/>
-          </p:cNvSpPr>
-          <p:nvPr>
-            <p:ph type="title"/>
-          </p:nvPr>
-        </p:nvSpPr>
-        <p:spPr/>
-        <p:txBody>
-          <a:bodyPr/>
-          <a:lstStyle/>
-          <a:p>
-            <a:r>
-              <a:rPr lang="ko-KR" altLang="en-US" dirty="0" smtClean="0"/>
-              <a:t>모듈에 대한 여러 가지</a:t>
-            </a:r>
-            <a:endParaRPr lang="ko-KR" altLang="en-US" dirty="0"/>
-          </a:p>
-        </p:txBody>
-      </p:sp>
-      <p:sp>
-        <p:nvSpPr>
-          <p:cNvPr id="3" name="내용 개체 틀 2"/>
-          <p:cNvSpPr>
-            <a:spLocks noGrp="1"/>
-          </p:cNvSpPr>
-          <p:nvPr>
-            <p:ph idx="1"/>
-          </p:nvPr>
-        </p:nvSpPr>
-        <p:spPr/>
         <p:txBody>
           <a:bodyPr>
             <a:normAutofit lnSpcReduction="10000"/>
@@ -7784,30 +7374,16 @@
             <a:endParaRPr lang="en-US" altLang="ko-KR" dirty="0" smtClean="0"/>
           </a:p>
           <a:p>
-            <a:pPr lvl="2"/>
-            <a:r>
-              <a:rPr lang="en-US" altLang="ko-KR" spc="-150" dirty="0" smtClean="0">
-                <a:latin typeface="Consolas" panose="020B0609020204030204" pitchFamily="49" charset="0"/>
-              </a:rPr>
-              <a:t>reload(</a:t>
-            </a:r>
-            <a:r>
-              <a:rPr lang="en-US" altLang="ko-KR" spc="-150" dirty="0" err="1" smtClean="0">
-                <a:latin typeface="Consolas" panose="020B0609020204030204" pitchFamily="49" charset="0"/>
-              </a:rPr>
-              <a:t>fibo</a:t>
-            </a:r>
-            <a:r>
-              <a:rPr lang="en-US" altLang="ko-KR" spc="-150" dirty="0" smtClean="0">
-                <a:latin typeface="Consolas" panose="020B0609020204030204" pitchFamily="49" charset="0"/>
-              </a:rPr>
-              <a:t>)</a:t>
-            </a:r>
-          </a:p>
-          <a:p>
-            <a:r>
-              <a:rPr lang="ko-KR" altLang="en-US" dirty="0" smtClean="0"/>
-              <a:t>모듈 파일을 불러오는 다양한 방법</a:t>
+            <a:endParaRPr lang="en-US" altLang="ko-KR" smtClean="0"/>
+          </a:p>
+          <a:p>
+            <a:r>
+              <a:rPr lang="ko-KR" altLang="en-US" smtClean="0"/>
+              <a:t>모듈 </a:t>
+            </a:r>
+            <a:r>
+              <a:rPr lang="ko-KR" altLang="en-US" dirty="0" smtClean="0"/>
+              <a:t>파일을 불러오는 다양한 방법</a:t>
             </a:r>
             <a:endParaRPr lang="en-US" altLang="ko-KR" dirty="0" smtClean="0"/>
           </a:p>
@@ -8477,7 +8053,7 @@
           <a:p>
             <a:r>
               <a:rPr lang="en-US" altLang="ko-KR" dirty="0" smtClean="0"/>
-              <a:t>print </a:t>
+              <a:t>print(</a:t>
             </a:r>
             <a:r>
               <a:rPr lang="en-US" altLang="ko-KR" dirty="0" err="1" smtClean="0"/>
@@ -8485,7 +8061,7 @@
             </a:r>
             <a:r>
               <a:rPr lang="en-US" altLang="ko-KR" dirty="0" smtClean="0"/>
-              <a:t>(2)</a:t>
+              <a:t>(2))</a:t>
             </a:r>
             <a:br>
               <a:rPr lang="en-US" altLang="ko-KR" dirty="0" smtClean="0"/>
@@ -8502,7 +8078,7 @@
             </a:br>
             <a:r>
               <a:rPr lang="en-US" altLang="ko-KR" dirty="0" smtClean="0"/>
-              <a:t>print </a:t>
+              <a:t>print(</a:t>
             </a:r>
             <a:r>
               <a:rPr lang="en-US" altLang="ko-KR" dirty="0" err="1" smtClean="0"/>
@@ -8510,7 +8086,7 @@
             </a:r>
             <a:r>
               <a:rPr lang="en-US" altLang="ko-KR" dirty="0" smtClean="0"/>
-              <a:t>(y)</a:t>
+              <a:t>(y))</a:t>
             </a:r>
           </a:p>
           <a:p>
@@ -8526,7 +8102,7 @@
             </a:br>
             <a:r>
               <a:rPr lang="en-US" altLang="ko-KR" dirty="0" smtClean="0"/>
-              <a:t>print </a:t>
+              <a:t>print(</a:t>
             </a:r>
             <a:r>
               <a:rPr lang="en-US" altLang="ko-KR" dirty="0" err="1" smtClean="0"/>
@@ -8534,7 +8110,7 @@
             </a:r>
             <a:r>
               <a:rPr lang="en-US" altLang="ko-KR" dirty="0" smtClean="0"/>
-              <a:t>(z*12)</a:t>
+              <a:t>(z*12))</a:t>
             </a:r>
           </a:p>
           <a:p>
@@ -8562,7 +8138,7 @@
             </a:br>
             <a:r>
               <a:rPr lang="en-US" altLang="ko-KR" dirty="0" smtClean="0"/>
-              <a:t>print x*x</a:t>
+              <a:t>print(x*x)</a:t>
             </a:r>
           </a:p>
         </p:txBody>
@@ -8663,21 +8239,8 @@
             </a:br>
             <a:r>
               <a:rPr lang="en-US" altLang="ko-KR" dirty="0" smtClean="0"/>
-              <a:t>	</a:t>
-            </a:r>
-            <a:r>
-              <a:rPr lang="en-US" altLang="ko-KR" dirty="0" smtClean="0"/>
-              <a:t>print("This </a:t>
-            </a:r>
-            <a:r>
-              <a:rPr lang="en-US" altLang="ko-KR" dirty="0" smtClean="0"/>
-              <a:t>function does nothing</a:t>
-            </a:r>
-            <a:r>
-              <a:rPr lang="en-US" altLang="ko-KR" dirty="0" smtClean="0"/>
-              <a:t>.")</a:t>
-            </a:r>
-            <a:endParaRPr lang="en-US" altLang="ko-KR" dirty="0" smtClean="0"/>
+              <a:t>	print("This function does nothing.")</a:t>
+            </a:r>
           </a:p>
           <a:p>
             <a:endParaRPr lang="en-US" altLang="ko-KR" dirty="0"/>
@@ -9177,77 +8740,53 @@
               <a:rPr lang="en-US" altLang="ko-KR" sz="2400" spc="-150" dirty="0" smtClean="0">
                 <a:latin typeface="Consolas" panose="020B0609020204030204" pitchFamily="49" charset="0"/>
               </a:rPr>
-              <a:t>		</a:t>
+              <a:t>		print(</a:t>
+            </a:r>
+            <a:r>
+              <a:rPr lang="en-US" altLang="ko-KR" sz="2400" spc="-150" dirty="0" err="1" smtClean="0">
+                <a:latin typeface="Consolas" panose="020B0609020204030204" pitchFamily="49" charset="0"/>
+              </a:rPr>
+              <a:t>lastName</a:t>
             </a:r>
             <a:r>
               <a:rPr lang="en-US" altLang="ko-KR" sz="2400" spc="-150" dirty="0" smtClean="0">
                 <a:latin typeface="Consolas" panose="020B0609020204030204" pitchFamily="49" charset="0"/>
               </a:rPr>
-              <a:t>print(</a:t>
+              <a:t> + ', ' + </a:t>
             </a:r>
             <a:r>
               <a:rPr lang="en-US" altLang="ko-KR" sz="2400" spc="-150" dirty="0" err="1" smtClean="0">
                 <a:latin typeface="Consolas" panose="020B0609020204030204" pitchFamily="49" charset="0"/>
               </a:rPr>
-              <a:t>lastName</a:t>
+              <a:t>firstName</a:t>
             </a:r>
             <a:r>
               <a:rPr lang="en-US" altLang="ko-KR" sz="2400" spc="-150" dirty="0" smtClean="0">
                 <a:latin typeface="Consolas" panose="020B0609020204030204" pitchFamily="49" charset="0"/>
               </a:rPr>
-              <a:t> </a:t>
-            </a:r>
-            <a:r>
+              <a:t>)</a:t>
+            </a:r>
+            <a:br>
               <a:rPr lang="en-US" altLang="ko-KR" sz="2400" spc="-150" dirty="0" smtClean="0">
                 <a:latin typeface="Consolas" panose="020B0609020204030204" pitchFamily="49" charset="0"/>
               </a:rPr>
-              <a:t>+ ', ' + </a:t>
-            </a:r>
-            <a:r>
-              <a:rPr lang="en-US" altLang="ko-KR" sz="2400" spc="-150" dirty="0" err="1" smtClean="0">
-                <a:latin typeface="Consolas" panose="020B0609020204030204" pitchFamily="49" charset="0"/>
-              </a:rPr>
-              <a:t>firstName</a:t>
-            </a:r>
+            </a:br>
             <a:r>
               <a:rPr lang="en-US" altLang="ko-KR" sz="2400" spc="-150" dirty="0" smtClean="0">
                 <a:latin typeface="Consolas" panose="020B0609020204030204" pitchFamily="49" charset="0"/>
               </a:rPr>
-              <a:t>)</a:t>
-            </a:r>
-            <a:r>
+              <a:t>	else:</a:t>
+            </a:r>
+            <a:br>
               <a:rPr lang="en-US" altLang="ko-KR" sz="2400" spc="-150" dirty="0" smtClean="0">
                 <a:latin typeface="Consolas" panose="020B0609020204030204" pitchFamily="49" charset="0"/>
               </a:rPr>
-              <a:t/>
-            </a:r>
-            <a:br>
+            </a:br>
+            <a:r>
               <a:rPr lang="en-US" altLang="ko-KR" sz="2400" spc="-150" dirty="0" smtClean="0">
                 <a:latin typeface="Consolas" panose="020B0609020204030204" pitchFamily="49" charset="0"/>
               </a:rPr>
-            </a:br>
-            <a:r>
-              <a:rPr lang="en-US" altLang="ko-KR" sz="2400" spc="-150" dirty="0" smtClean="0">
-                <a:latin typeface="Consolas" panose="020B0609020204030204" pitchFamily="49" charset="0"/>
-              </a:rPr>
-              <a:t>	else:</a:t>
-            </a:r>
-            <a:br>
-              <a:rPr lang="en-US" altLang="ko-KR" sz="2400" spc="-150" dirty="0" smtClean="0">
-                <a:latin typeface="Consolas" panose="020B0609020204030204" pitchFamily="49" charset="0"/>
-              </a:rPr>
-            </a:br>
-            <a:r>
-              <a:rPr lang="en-US" altLang="ko-KR" sz="2400" spc="-150" dirty="0" smtClean="0">
-                <a:latin typeface="Consolas" panose="020B0609020204030204" pitchFamily="49" charset="0"/>
-              </a:rPr>
-              <a:t>		</a:t>
-            </a:r>
-            <a:r>
-              <a:rPr lang="en-US" altLang="ko-KR" sz="2400" spc="-150" dirty="0" smtClean="0">
-                <a:latin typeface="Consolas" panose="020B0609020204030204" pitchFamily="49" charset="0"/>
-              </a:rPr>
-              <a:t>print(</a:t>
+              <a:t>		print(</a:t>
             </a:r>
             <a:r>
               <a:rPr lang="en-US" altLang="ko-KR" sz="2400" spc="-150" dirty="0" err="1" smtClean="0">
